--- a/IBC_CTIC_hito1_ela.pptx
+++ b/IBC_CTIC_hito1_ela.pptx
@@ -135,7 +135,7 @@
   </p:defaultTextStyle>
   <p:extLst>
     <p:ext uri="{EFAFB233-063F-42B5-8137-9DF3F51BA10A}">
-      <p15:sldGuideLst xmlns:p15="http://schemas.microsoft.com/office/powerpoint/2012/main" xmlns="">
+      <p15:sldGuideLst xmlns:p15="http://schemas.microsoft.com/office/powerpoint/2012/main">
         <p15:guide id="1" orient="horz" pos="2160">
           <p15:clr>
             <a:srgbClr val="A4A3A4"/>
@@ -3661,7 +3661,7 @@
           <p:cNvPr id="10" name="Imagen 9">
             <a:extLst>
               <a:ext uri="{FF2B5EF4-FFF2-40B4-BE49-F238E27FC236}">
-                <a16:creationId xmlns:a16="http://schemas.microsoft.com/office/drawing/2014/main" xmlns="" id="{FB858E5F-30ED-43FC-A6C6-A9BC3123D937}"/>
+                <a16:creationId xmlns:a16="http://schemas.microsoft.com/office/drawing/2014/main" id="{FB858E5F-30ED-43FC-A6C6-A9BC3123D937}"/>
               </a:ext>
             </a:extLst>
           </p:cNvPr>
@@ -3697,7 +3697,7 @@
           <p:cNvPr id="4" name="Imagen 3" descr="Logotipo&#10;&#10;Descripción generada automáticamente con confianza media">
             <a:extLst>
               <a:ext uri="{FF2B5EF4-FFF2-40B4-BE49-F238E27FC236}">
-                <a16:creationId xmlns:a16="http://schemas.microsoft.com/office/drawing/2014/main" xmlns="" id="{85F0AC56-A3E4-4EFC-8440-3E0B0B3F4265}"/>
+                <a16:creationId xmlns:a16="http://schemas.microsoft.com/office/drawing/2014/main" id="{85F0AC56-A3E4-4EFC-8440-3E0B0B3F4265}"/>
               </a:ext>
             </a:extLst>
           </p:cNvPr>
@@ -3733,7 +3733,7 @@
           <p:cNvPr id="1026" name="Picture 2" descr="Resultado de imagen de cdti">
             <a:extLst>
               <a:ext uri="{FF2B5EF4-FFF2-40B4-BE49-F238E27FC236}">
-                <a16:creationId xmlns:a16="http://schemas.microsoft.com/office/drawing/2014/main" xmlns="" id="{57B7EB45-B212-4B4A-88D9-892E842D5839}"/>
+                <a16:creationId xmlns:a16="http://schemas.microsoft.com/office/drawing/2014/main" id="{57B7EB45-B212-4B4A-88D9-892E842D5839}"/>
               </a:ext>
             </a:extLst>
           </p:cNvPr>
@@ -3780,7 +3780,7 @@
           <p:cNvPr id="11" name="3 CuadroTexto">
             <a:extLst>
               <a:ext uri="{FF2B5EF4-FFF2-40B4-BE49-F238E27FC236}">
-                <a16:creationId xmlns:a16="http://schemas.microsoft.com/office/drawing/2014/main" xmlns="" id="{8665B061-9AC3-4005-81EF-59D1F1E87231}"/>
+                <a16:creationId xmlns:a16="http://schemas.microsoft.com/office/drawing/2014/main" id="{8665B061-9AC3-4005-81EF-59D1F1E87231}"/>
               </a:ext>
             </a:extLst>
           </p:cNvPr>
@@ -3839,7 +3839,7 @@
           <p:cNvPr id="3" name="CuadroTexto 2">
             <a:extLst>
               <a:ext uri="{FF2B5EF4-FFF2-40B4-BE49-F238E27FC236}">
-                <a16:creationId xmlns:a16="http://schemas.microsoft.com/office/drawing/2014/main" xmlns="" id="{306BB7FD-239F-B7AC-5EB2-124F9C00C015}"/>
+                <a16:creationId xmlns:a16="http://schemas.microsoft.com/office/drawing/2014/main" id="{306BB7FD-239F-B7AC-5EB2-124F9C00C015}"/>
               </a:ext>
             </a:extLst>
           </p:cNvPr>
@@ -3926,7 +3926,7 @@
           <p:cNvPr id="4" name="Imagen 3" descr="Interfaz de usuario gráfica, Tabla&#10;&#10;Descripción generada automáticamente">
             <a:extLst>
               <a:ext uri="{FF2B5EF4-FFF2-40B4-BE49-F238E27FC236}">
-                <a16:creationId xmlns:a16="http://schemas.microsoft.com/office/drawing/2014/main" xmlns="" id="{D0D61014-18E8-2B9A-7501-97FD765AB366}"/>
+                <a16:creationId xmlns:a16="http://schemas.microsoft.com/office/drawing/2014/main" id="{D0D61014-18E8-2B9A-7501-97FD765AB366}"/>
               </a:ext>
             </a:extLst>
           </p:cNvPr>
@@ -3956,7 +3956,7 @@
           <p:cNvPr id="2" name="Título 1">
             <a:extLst>
               <a:ext uri="{FF2B5EF4-FFF2-40B4-BE49-F238E27FC236}">
-                <a16:creationId xmlns:a16="http://schemas.microsoft.com/office/drawing/2014/main" xmlns="" id="{E7F1673C-395E-D080-5B20-8EAB92E24FEE}"/>
+                <a16:creationId xmlns:a16="http://schemas.microsoft.com/office/drawing/2014/main" id="{E7F1673C-395E-D080-5B20-8EAB92E24FEE}"/>
               </a:ext>
             </a:extLst>
           </p:cNvPr>
@@ -4023,7 +4023,7 @@
           <p:cNvPr id="2" name="Título 1">
             <a:extLst>
               <a:ext uri="{FF2B5EF4-FFF2-40B4-BE49-F238E27FC236}">
-                <a16:creationId xmlns:a16="http://schemas.microsoft.com/office/drawing/2014/main" xmlns="" id="{AD703120-B62F-E75B-07B0-39C58A8EB296}"/>
+                <a16:creationId xmlns:a16="http://schemas.microsoft.com/office/drawing/2014/main" id="{AD703120-B62F-E75B-07B0-39C58A8EB296}"/>
               </a:ext>
             </a:extLst>
           </p:cNvPr>
@@ -4060,7 +4060,7 @@
           <p:cNvPr id="8" name="Tabla 7">
             <a:extLst>
               <a:ext uri="{FF2B5EF4-FFF2-40B4-BE49-F238E27FC236}">
-                <a16:creationId xmlns:a16="http://schemas.microsoft.com/office/drawing/2014/main" xmlns="" id="{A4FD93EF-F5A5-C940-E21D-DEFAF116348A}"/>
+                <a16:creationId xmlns:a16="http://schemas.microsoft.com/office/drawing/2014/main" id="{A4FD93EF-F5A5-C940-E21D-DEFAF116348A}"/>
               </a:ext>
             </a:extLst>
           </p:cNvPr>
@@ -4089,14 +4089,14 @@
                 <a:gridCol w="3005049">
                   <a:extLst>
                     <a:ext uri="{9D8B030D-6E8A-4147-A177-3AD203B41FA5}">
-                      <a16:colId xmlns:a16="http://schemas.microsoft.com/office/drawing/2014/main" xmlns="" val="3228739160"/>
+                      <a16:colId xmlns:a16="http://schemas.microsoft.com/office/drawing/2014/main" val="3228739160"/>
                     </a:ext>
                   </a:extLst>
                 </a:gridCol>
                 <a:gridCol w="2709499">
                   <a:extLst>
                     <a:ext uri="{9D8B030D-6E8A-4147-A177-3AD203B41FA5}">
-                      <a16:colId xmlns:a16="http://schemas.microsoft.com/office/drawing/2014/main" xmlns="" val="387443522"/>
+                      <a16:colId xmlns:a16="http://schemas.microsoft.com/office/drawing/2014/main" val="387443522"/>
                     </a:ext>
                   </a:extLst>
                 </a:gridCol>
@@ -4168,7 +4168,7 @@
                 </a:tc>
                 <a:extLst>
                   <a:ext uri="{0D108BD9-81ED-4DB2-BD59-A6C34878D82A}">
-                    <a16:rowId xmlns:a16="http://schemas.microsoft.com/office/drawing/2014/main" xmlns="" val="1430282845"/>
+                    <a16:rowId xmlns:a16="http://schemas.microsoft.com/office/drawing/2014/main" val="1430282845"/>
                   </a:ext>
                 </a:extLst>
               </a:tr>
@@ -4239,7 +4239,7 @@
                 </a:tc>
                 <a:extLst>
                   <a:ext uri="{0D108BD9-81ED-4DB2-BD59-A6C34878D82A}">
-                    <a16:rowId xmlns:a16="http://schemas.microsoft.com/office/drawing/2014/main" xmlns="" val="2095384973"/>
+                    <a16:rowId xmlns:a16="http://schemas.microsoft.com/office/drawing/2014/main" val="2095384973"/>
                   </a:ext>
                 </a:extLst>
               </a:tr>
@@ -4252,7 +4252,7 @@
           <p:cNvPr id="9" name="Tabla 8">
             <a:extLst>
               <a:ext uri="{FF2B5EF4-FFF2-40B4-BE49-F238E27FC236}">
-                <a16:creationId xmlns:a16="http://schemas.microsoft.com/office/drawing/2014/main" xmlns="" id="{EDCB6A3F-EACC-244C-D714-62AD54DBE3AB}"/>
+                <a16:creationId xmlns:a16="http://schemas.microsoft.com/office/drawing/2014/main" id="{EDCB6A3F-EACC-244C-D714-62AD54DBE3AB}"/>
               </a:ext>
             </a:extLst>
           </p:cNvPr>
@@ -4281,14 +4281,14 @@
                 <a:gridCol w="3005049">
                   <a:extLst>
                     <a:ext uri="{9D8B030D-6E8A-4147-A177-3AD203B41FA5}">
-                      <a16:colId xmlns:a16="http://schemas.microsoft.com/office/drawing/2014/main" xmlns="" val="1870097021"/>
+                      <a16:colId xmlns:a16="http://schemas.microsoft.com/office/drawing/2014/main" val="1870097021"/>
                     </a:ext>
                   </a:extLst>
                 </a:gridCol>
                 <a:gridCol w="2709499">
                   <a:extLst>
                     <a:ext uri="{9D8B030D-6E8A-4147-A177-3AD203B41FA5}">
-                      <a16:colId xmlns:a16="http://schemas.microsoft.com/office/drawing/2014/main" xmlns="" val="1861655301"/>
+                      <a16:colId xmlns:a16="http://schemas.microsoft.com/office/drawing/2014/main" val="1861655301"/>
                     </a:ext>
                   </a:extLst>
                 </a:gridCol>
@@ -4360,7 +4360,7 @@
                 </a:tc>
                 <a:extLst>
                   <a:ext uri="{0D108BD9-81ED-4DB2-BD59-A6C34878D82A}">
-                    <a16:rowId xmlns:a16="http://schemas.microsoft.com/office/drawing/2014/main" xmlns="" val="2470261841"/>
+                    <a16:rowId xmlns:a16="http://schemas.microsoft.com/office/drawing/2014/main" val="2470261841"/>
                   </a:ext>
                 </a:extLst>
               </a:tr>
@@ -4431,7 +4431,7 @@
                 </a:tc>
                 <a:extLst>
                   <a:ext uri="{0D108BD9-81ED-4DB2-BD59-A6C34878D82A}">
-                    <a16:rowId xmlns:a16="http://schemas.microsoft.com/office/drawing/2014/main" xmlns="" val="922288018"/>
+                    <a16:rowId xmlns:a16="http://schemas.microsoft.com/office/drawing/2014/main" val="922288018"/>
                   </a:ext>
                 </a:extLst>
               </a:tr>
@@ -4502,7 +4502,7 @@
                 </a:tc>
                 <a:extLst>
                   <a:ext uri="{0D108BD9-81ED-4DB2-BD59-A6C34878D82A}">
-                    <a16:rowId xmlns:a16="http://schemas.microsoft.com/office/drawing/2014/main" xmlns="" val="898152767"/>
+                    <a16:rowId xmlns:a16="http://schemas.microsoft.com/office/drawing/2014/main" val="898152767"/>
                   </a:ext>
                 </a:extLst>
               </a:tr>
@@ -4573,7 +4573,7 @@
                 </a:tc>
                 <a:extLst>
                   <a:ext uri="{0D108BD9-81ED-4DB2-BD59-A6C34878D82A}">
-                    <a16:rowId xmlns:a16="http://schemas.microsoft.com/office/drawing/2014/main" xmlns="" val="2344699389"/>
+                    <a16:rowId xmlns:a16="http://schemas.microsoft.com/office/drawing/2014/main" val="2344699389"/>
                   </a:ext>
                 </a:extLst>
               </a:tr>
@@ -4644,7 +4644,7 @@
                 </a:tc>
                 <a:extLst>
                   <a:ext uri="{0D108BD9-81ED-4DB2-BD59-A6C34878D82A}">
-                    <a16:rowId xmlns:a16="http://schemas.microsoft.com/office/drawing/2014/main" xmlns="" val="2557504300"/>
+                    <a16:rowId xmlns:a16="http://schemas.microsoft.com/office/drawing/2014/main" val="2557504300"/>
                   </a:ext>
                 </a:extLst>
               </a:tr>
@@ -4715,7 +4715,7 @@
                 </a:tc>
                 <a:extLst>
                   <a:ext uri="{0D108BD9-81ED-4DB2-BD59-A6C34878D82A}">
-                    <a16:rowId xmlns:a16="http://schemas.microsoft.com/office/drawing/2014/main" xmlns="" val="837888247"/>
+                    <a16:rowId xmlns:a16="http://schemas.microsoft.com/office/drawing/2014/main" val="837888247"/>
                   </a:ext>
                 </a:extLst>
               </a:tr>
@@ -4728,7 +4728,7 @@
           <p:cNvPr id="4" name="CuadroTexto 3">
             <a:extLst>
               <a:ext uri="{FF2B5EF4-FFF2-40B4-BE49-F238E27FC236}">
-                <a16:creationId xmlns:a16="http://schemas.microsoft.com/office/drawing/2014/main" xmlns="" id="{6E2BC0EB-75F4-F407-D7E8-AE8B673DAEA2}"/>
+                <a16:creationId xmlns:a16="http://schemas.microsoft.com/office/drawing/2014/main" id="{6E2BC0EB-75F4-F407-D7E8-AE8B673DAEA2}"/>
               </a:ext>
             </a:extLst>
           </p:cNvPr>
@@ -4794,7 +4794,7 @@
           <p:cNvPr id="2" name="Título 1">
             <a:extLst>
               <a:ext uri="{FF2B5EF4-FFF2-40B4-BE49-F238E27FC236}">
-                <a16:creationId xmlns:a16="http://schemas.microsoft.com/office/drawing/2014/main" xmlns="" id="{280476BA-1300-64F7-81EF-E631C2376009}"/>
+                <a16:creationId xmlns:a16="http://schemas.microsoft.com/office/drawing/2014/main" id="{280476BA-1300-64F7-81EF-E631C2376009}"/>
               </a:ext>
             </a:extLst>
           </p:cNvPr>
@@ -4834,7 +4834,7 @@
           <p:cNvPr id="4" name="Tabla 3">
             <a:extLst>
               <a:ext uri="{FF2B5EF4-FFF2-40B4-BE49-F238E27FC236}">
-                <a16:creationId xmlns:a16="http://schemas.microsoft.com/office/drawing/2014/main" xmlns="" id="{0DA67975-9743-4236-2639-FA3F7C8C1542}"/>
+                <a16:creationId xmlns:a16="http://schemas.microsoft.com/office/drawing/2014/main" id="{0DA67975-9743-4236-2639-FA3F7C8C1542}"/>
               </a:ext>
             </a:extLst>
           </p:cNvPr>
@@ -4863,14 +4863,14 @@
                 <a:gridCol w="3407949">
                   <a:extLst>
                     <a:ext uri="{9D8B030D-6E8A-4147-A177-3AD203B41FA5}">
-                      <a16:colId xmlns:a16="http://schemas.microsoft.com/office/drawing/2014/main" xmlns="" val="2299104214"/>
+                      <a16:colId xmlns:a16="http://schemas.microsoft.com/office/drawing/2014/main" val="2299104214"/>
                     </a:ext>
                   </a:extLst>
                 </a:gridCol>
                 <a:gridCol w="3792851">
                   <a:extLst>
                     <a:ext uri="{9D8B030D-6E8A-4147-A177-3AD203B41FA5}">
-                      <a16:colId xmlns:a16="http://schemas.microsoft.com/office/drawing/2014/main" xmlns="" val="2313917099"/>
+                      <a16:colId xmlns:a16="http://schemas.microsoft.com/office/drawing/2014/main" val="2313917099"/>
                     </a:ext>
                   </a:extLst>
                 </a:gridCol>
@@ -4942,7 +4942,7 @@
                 </a:tc>
                 <a:extLst>
                   <a:ext uri="{0D108BD9-81ED-4DB2-BD59-A6C34878D82A}">
-                    <a16:rowId xmlns:a16="http://schemas.microsoft.com/office/drawing/2014/main" xmlns="" val="1161439579"/>
+                    <a16:rowId xmlns:a16="http://schemas.microsoft.com/office/drawing/2014/main" val="1161439579"/>
                   </a:ext>
                 </a:extLst>
               </a:tr>
@@ -5013,7 +5013,7 @@
                 </a:tc>
                 <a:extLst>
                   <a:ext uri="{0D108BD9-81ED-4DB2-BD59-A6C34878D82A}">
-                    <a16:rowId xmlns:a16="http://schemas.microsoft.com/office/drawing/2014/main" xmlns="" val="2648039189"/>
+                    <a16:rowId xmlns:a16="http://schemas.microsoft.com/office/drawing/2014/main" val="2648039189"/>
                   </a:ext>
                 </a:extLst>
               </a:tr>
@@ -5084,7 +5084,7 @@
                 </a:tc>
                 <a:extLst>
                   <a:ext uri="{0D108BD9-81ED-4DB2-BD59-A6C34878D82A}">
-                    <a16:rowId xmlns:a16="http://schemas.microsoft.com/office/drawing/2014/main" xmlns="" val="984584278"/>
+                    <a16:rowId xmlns:a16="http://schemas.microsoft.com/office/drawing/2014/main" val="984584278"/>
                   </a:ext>
                 </a:extLst>
               </a:tr>
@@ -5155,7 +5155,7 @@
                 </a:tc>
                 <a:extLst>
                   <a:ext uri="{0D108BD9-81ED-4DB2-BD59-A6C34878D82A}">
-                    <a16:rowId xmlns:a16="http://schemas.microsoft.com/office/drawing/2014/main" xmlns="" val="193645118"/>
+                    <a16:rowId xmlns:a16="http://schemas.microsoft.com/office/drawing/2014/main" val="193645118"/>
                   </a:ext>
                 </a:extLst>
               </a:tr>
@@ -5226,7 +5226,7 @@
                 </a:tc>
                 <a:extLst>
                   <a:ext uri="{0D108BD9-81ED-4DB2-BD59-A6C34878D82A}">
-                    <a16:rowId xmlns:a16="http://schemas.microsoft.com/office/drawing/2014/main" xmlns="" val="3057252226"/>
+                    <a16:rowId xmlns:a16="http://schemas.microsoft.com/office/drawing/2014/main" val="3057252226"/>
                   </a:ext>
                 </a:extLst>
               </a:tr>
@@ -5297,7 +5297,7 @@
                 </a:tc>
                 <a:extLst>
                   <a:ext uri="{0D108BD9-81ED-4DB2-BD59-A6C34878D82A}">
-                    <a16:rowId xmlns:a16="http://schemas.microsoft.com/office/drawing/2014/main" xmlns="" val="260591027"/>
+                    <a16:rowId xmlns:a16="http://schemas.microsoft.com/office/drawing/2014/main" val="260591027"/>
                   </a:ext>
                 </a:extLst>
               </a:tr>
@@ -5368,7 +5368,7 @@
                 </a:tc>
                 <a:extLst>
                   <a:ext uri="{0D108BD9-81ED-4DB2-BD59-A6C34878D82A}">
-                    <a16:rowId xmlns:a16="http://schemas.microsoft.com/office/drawing/2014/main" xmlns="" val="3796981587"/>
+                    <a16:rowId xmlns:a16="http://schemas.microsoft.com/office/drawing/2014/main" val="3796981587"/>
                   </a:ext>
                 </a:extLst>
               </a:tr>
@@ -5439,7 +5439,7 @@
                 </a:tc>
                 <a:extLst>
                   <a:ext uri="{0D108BD9-81ED-4DB2-BD59-A6C34878D82A}">
-                    <a16:rowId xmlns:a16="http://schemas.microsoft.com/office/drawing/2014/main" xmlns="" val="3918501064"/>
+                    <a16:rowId xmlns:a16="http://schemas.microsoft.com/office/drawing/2014/main" val="3918501064"/>
                   </a:ext>
                 </a:extLst>
               </a:tr>
@@ -5510,7 +5510,7 @@
                 </a:tc>
                 <a:extLst>
                   <a:ext uri="{0D108BD9-81ED-4DB2-BD59-A6C34878D82A}">
-                    <a16:rowId xmlns:a16="http://schemas.microsoft.com/office/drawing/2014/main" xmlns="" val="528635101"/>
+                    <a16:rowId xmlns:a16="http://schemas.microsoft.com/office/drawing/2014/main" val="528635101"/>
                   </a:ext>
                 </a:extLst>
               </a:tr>
@@ -5523,7 +5523,7 @@
           <p:cNvPr id="3" name="Título 1">
             <a:extLst>
               <a:ext uri="{FF2B5EF4-FFF2-40B4-BE49-F238E27FC236}">
-                <a16:creationId xmlns:a16="http://schemas.microsoft.com/office/drawing/2014/main" xmlns="" id="{AD8C72F4-96B9-A080-B02A-49703AF83A4F}"/>
+                <a16:creationId xmlns:a16="http://schemas.microsoft.com/office/drawing/2014/main" id="{AD8C72F4-96B9-A080-B02A-49703AF83A4F}"/>
               </a:ext>
             </a:extLst>
           </p:cNvPr>
@@ -5606,7 +5606,7 @@
           <p:cNvPr id="2" name="Título 1">
             <a:extLst>
               <a:ext uri="{FF2B5EF4-FFF2-40B4-BE49-F238E27FC236}">
-                <a16:creationId xmlns:a16="http://schemas.microsoft.com/office/drawing/2014/main" xmlns="" id="{5DD38F73-1D7A-1AB3-E0E7-E4BF11E2DFC5}"/>
+                <a16:creationId xmlns:a16="http://schemas.microsoft.com/office/drawing/2014/main" id="{5DD38F73-1D7A-1AB3-E0E7-E4BF11E2DFC5}"/>
               </a:ext>
             </a:extLst>
           </p:cNvPr>
@@ -5642,7 +5642,7 @@
           <p:cNvPr id="4" name="Tabla 3">
             <a:extLst>
               <a:ext uri="{FF2B5EF4-FFF2-40B4-BE49-F238E27FC236}">
-                <a16:creationId xmlns:a16="http://schemas.microsoft.com/office/drawing/2014/main" xmlns="" id="{92CDA5FD-6FCE-C0B3-99EC-6D13B61865EA}"/>
+                <a16:creationId xmlns:a16="http://schemas.microsoft.com/office/drawing/2014/main" id="{92CDA5FD-6FCE-C0B3-99EC-6D13B61865EA}"/>
               </a:ext>
             </a:extLst>
           </p:cNvPr>
@@ -5652,7 +5652,7 @@
           <p:nvPr>
             <p:extLst>
               <p:ext uri="{D42A27DB-BD31-4B8C-83A1-F6EECF244321}">
-                <p14:modId xmlns:p14="http://schemas.microsoft.com/office/powerpoint/2010/main" val="851185662"/>
+                <p14:modId xmlns:p14="http://schemas.microsoft.com/office/powerpoint/2010/main" val="3197584870"/>
               </p:ext>
             </p:extLst>
           </p:nvPr>
@@ -5671,56 +5671,56 @@
                 <a:gridCol w="921827">
                   <a:extLst>
                     <a:ext uri="{9D8B030D-6E8A-4147-A177-3AD203B41FA5}">
-                      <a16:colId xmlns:a16="http://schemas.microsoft.com/office/drawing/2014/main" xmlns="" val="3313541356"/>
+                      <a16:colId xmlns:a16="http://schemas.microsoft.com/office/drawing/2014/main" val="3313541356"/>
                     </a:ext>
                   </a:extLst>
                 </a:gridCol>
                 <a:gridCol w="1075464">
                   <a:extLst>
                     <a:ext uri="{9D8B030D-6E8A-4147-A177-3AD203B41FA5}">
-                      <a16:colId xmlns:a16="http://schemas.microsoft.com/office/drawing/2014/main" xmlns="" val="1929430949"/>
+                      <a16:colId xmlns:a16="http://schemas.microsoft.com/office/drawing/2014/main" val="1929430949"/>
                     </a:ext>
                   </a:extLst>
                 </a:gridCol>
                 <a:gridCol w="854396">
                   <a:extLst>
                     <a:ext uri="{9D8B030D-6E8A-4147-A177-3AD203B41FA5}">
-                      <a16:colId xmlns:a16="http://schemas.microsoft.com/office/drawing/2014/main" xmlns="" val="814440907"/>
+                      <a16:colId xmlns:a16="http://schemas.microsoft.com/office/drawing/2014/main" val="814440907"/>
                     </a:ext>
                   </a:extLst>
                 </a:gridCol>
                 <a:gridCol w="833912">
                   <a:extLst>
                     <a:ext uri="{9D8B030D-6E8A-4147-A177-3AD203B41FA5}">
-                      <a16:colId xmlns:a16="http://schemas.microsoft.com/office/drawing/2014/main" xmlns="" val="2119690706"/>
+                      <a16:colId xmlns:a16="http://schemas.microsoft.com/office/drawing/2014/main" val="2119690706"/>
                     </a:ext>
                   </a:extLst>
                 </a:gridCol>
                 <a:gridCol w="382854">
                   <a:extLst>
                     <a:ext uri="{9D8B030D-6E8A-4147-A177-3AD203B41FA5}">
-                      <a16:colId xmlns:a16="http://schemas.microsoft.com/office/drawing/2014/main" xmlns="" val="369574479"/>
+                      <a16:colId xmlns:a16="http://schemas.microsoft.com/office/drawing/2014/main" val="369574479"/>
                     </a:ext>
                   </a:extLst>
                 </a:gridCol>
                 <a:gridCol w="735444">
                   <a:extLst>
                     <a:ext uri="{9D8B030D-6E8A-4147-A177-3AD203B41FA5}">
-                      <a16:colId xmlns:a16="http://schemas.microsoft.com/office/drawing/2014/main" xmlns="" val="769949306"/>
+                      <a16:colId xmlns:a16="http://schemas.microsoft.com/office/drawing/2014/main" val="769949306"/>
                     </a:ext>
                   </a:extLst>
                 </a:gridCol>
                 <a:gridCol w="998646">
                   <a:extLst>
                     <a:ext uri="{9D8B030D-6E8A-4147-A177-3AD203B41FA5}">
-                      <a16:colId xmlns:a16="http://schemas.microsoft.com/office/drawing/2014/main" xmlns="" val="1885183444"/>
+                      <a16:colId xmlns:a16="http://schemas.microsoft.com/office/drawing/2014/main" val="1885183444"/>
                     </a:ext>
                   </a:extLst>
                 </a:gridCol>
                 <a:gridCol w="1758298">
                   <a:extLst>
                     <a:ext uri="{9D8B030D-6E8A-4147-A177-3AD203B41FA5}">
-                      <a16:colId xmlns:a16="http://schemas.microsoft.com/office/drawing/2014/main" xmlns="" val="2447582577"/>
+                      <a16:colId xmlns:a16="http://schemas.microsoft.com/office/drawing/2014/main" val="2447582577"/>
                     </a:ext>
                   </a:extLst>
                 </a:gridCol>
@@ -5990,7 +5990,7 @@
                 </a:tc>
                 <a:extLst>
                   <a:ext uri="{0D108BD9-81ED-4DB2-BD59-A6C34878D82A}">
-                    <a16:rowId xmlns:a16="http://schemas.microsoft.com/office/drawing/2014/main" xmlns="" val="3508577249"/>
+                    <a16:rowId xmlns:a16="http://schemas.microsoft.com/office/drawing/2014/main" val="3508577249"/>
                   </a:ext>
                 </a:extLst>
               </a:tr>
@@ -6241,7 +6241,7 @@
                         <a:rPr lang="es-ES" sz="1200" dirty="0">
                           <a:effectLst/>
                         </a:rPr>
-                        <a:t>Riesgo de caída y no riesgo de caída**************</a:t>
+                        <a:t>Riesgo de caída y no riesgo de caída</a:t>
                       </a:r>
                     </a:p>
                   </a:txBody>
@@ -6347,7 +6347,7 @@
                         <a:rPr lang="es-ES" sz="1200" dirty="0">
                           <a:effectLst/>
                         </a:rPr>
-                        <a:t> Aceleración lineal.</a:t>
+                        <a:t>Aceleración lineal.</a:t>
                       </a:r>
                       <a:endParaRPr lang="en-US" sz="1200" dirty="0">
                         <a:effectLst/>
@@ -6519,7 +6519,7 @@
                 </a:tc>
                 <a:extLst>
                   <a:ext uri="{0D108BD9-81ED-4DB2-BD59-A6C34878D82A}">
-                    <a16:rowId xmlns:a16="http://schemas.microsoft.com/office/drawing/2014/main" xmlns="" val="3961016773"/>
+                    <a16:rowId xmlns:a16="http://schemas.microsoft.com/office/drawing/2014/main" val="3961016773"/>
                   </a:ext>
                 </a:extLst>
               </a:tr>
@@ -6532,7 +6532,7 @@
           <p:cNvPr id="3" name="Título 1">
             <a:extLst>
               <a:ext uri="{FF2B5EF4-FFF2-40B4-BE49-F238E27FC236}">
-                <a16:creationId xmlns:a16="http://schemas.microsoft.com/office/drawing/2014/main" xmlns="" id="{8C65D4F4-3389-D6E1-5FC4-C1528CBD867D}"/>
+                <a16:creationId xmlns:a16="http://schemas.microsoft.com/office/drawing/2014/main" id="{8C65D4F4-3389-D6E1-5FC4-C1528CBD867D}"/>
               </a:ext>
             </a:extLst>
           </p:cNvPr>
@@ -6615,7 +6615,7 @@
           <p:cNvPr id="2" name="Título 1">
             <a:extLst>
               <a:ext uri="{FF2B5EF4-FFF2-40B4-BE49-F238E27FC236}">
-                <a16:creationId xmlns:a16="http://schemas.microsoft.com/office/drawing/2014/main" xmlns="" id="{52D4E882-6CC9-24C8-B316-3F4D78728F2C}"/>
+                <a16:creationId xmlns:a16="http://schemas.microsoft.com/office/drawing/2014/main" id="{52D4E882-6CC9-24C8-B316-3F4D78728F2C}"/>
               </a:ext>
             </a:extLst>
           </p:cNvPr>
@@ -6651,7 +6651,7 @@
           <p:cNvPr id="4" name="Imagen 3" descr="Diagrama&#10;&#10;Descripción generada automáticamente">
             <a:extLst>
               <a:ext uri="{FF2B5EF4-FFF2-40B4-BE49-F238E27FC236}">
-                <a16:creationId xmlns:a16="http://schemas.microsoft.com/office/drawing/2014/main" xmlns="" id="{39195E0C-F6ED-CF64-2723-0707A2245B0D}"/>
+                <a16:creationId xmlns:a16="http://schemas.microsoft.com/office/drawing/2014/main" id="{39195E0C-F6ED-CF64-2723-0707A2245B0D}"/>
               </a:ext>
             </a:extLst>
           </p:cNvPr>
@@ -6692,7 +6692,7 @@
           <p:cNvPr id="17" name="Imagen 16">
             <a:extLst>
               <a:ext uri="{FF2B5EF4-FFF2-40B4-BE49-F238E27FC236}">
-                <a16:creationId xmlns:a16="http://schemas.microsoft.com/office/drawing/2014/main" xmlns="" id="{75E7FF5C-5761-18A1-7313-731FC1041D3E}"/>
+                <a16:creationId xmlns:a16="http://schemas.microsoft.com/office/drawing/2014/main" id="{75E7FF5C-5761-18A1-7313-731FC1041D3E}"/>
               </a:ext>
             </a:extLst>
           </p:cNvPr>
@@ -6722,7 +6722,7 @@
           <p:cNvPr id="3" name="Título 1">
             <a:extLst>
               <a:ext uri="{FF2B5EF4-FFF2-40B4-BE49-F238E27FC236}">
-                <a16:creationId xmlns:a16="http://schemas.microsoft.com/office/drawing/2014/main" xmlns="" id="{DD93A484-F09E-149A-8EE1-B4F9FDF1E0FF}"/>
+                <a16:creationId xmlns:a16="http://schemas.microsoft.com/office/drawing/2014/main" id="{DD93A484-F09E-149A-8EE1-B4F9FDF1E0FF}"/>
               </a:ext>
             </a:extLst>
           </p:cNvPr>
@@ -6805,7 +6805,7 @@
           <p:cNvPr id="2" name="Título 1">
             <a:extLst>
               <a:ext uri="{FF2B5EF4-FFF2-40B4-BE49-F238E27FC236}">
-                <a16:creationId xmlns:a16="http://schemas.microsoft.com/office/drawing/2014/main" xmlns="" id="{E5426060-AFE2-1610-06CA-72A66472BD6D}"/>
+                <a16:creationId xmlns:a16="http://schemas.microsoft.com/office/drawing/2014/main" id="{E5426060-AFE2-1610-06CA-72A66472BD6D}"/>
               </a:ext>
             </a:extLst>
           </p:cNvPr>
@@ -6841,7 +6841,7 @@
           <p:cNvPr id="4" name="Imagen 3" descr="Diagrama&#10;&#10;Descripción generada automáticamente">
             <a:extLst>
               <a:ext uri="{FF2B5EF4-FFF2-40B4-BE49-F238E27FC236}">
-                <a16:creationId xmlns:a16="http://schemas.microsoft.com/office/drawing/2014/main" xmlns="" id="{8C3F1A30-6C01-3145-BA97-DC53EFC1C133}"/>
+                <a16:creationId xmlns:a16="http://schemas.microsoft.com/office/drawing/2014/main" id="{8C3F1A30-6C01-3145-BA97-DC53EFC1C133}"/>
               </a:ext>
             </a:extLst>
           </p:cNvPr>
@@ -6865,8 +6865,8 @@
         </p:blipFill>
         <p:spPr bwMode="auto">
           <a:xfrm>
-            <a:off x="1181238" y="722052"/>
-            <a:ext cx="6547702" cy="5227228"/>
+            <a:off x="1187624" y="621783"/>
+            <a:ext cx="6768752" cy="5403699"/>
           </a:xfrm>
           <a:prstGeom prst="rect">
             <a:avLst/>
@@ -6882,7 +6882,7 @@
           <p:cNvPr id="3" name="Título 1">
             <a:extLst>
               <a:ext uri="{FF2B5EF4-FFF2-40B4-BE49-F238E27FC236}">
-                <a16:creationId xmlns:a16="http://schemas.microsoft.com/office/drawing/2014/main" xmlns="" id="{1B9D519D-184D-D4BE-1E29-ED2D4C85A9FE}"/>
+                <a16:creationId xmlns:a16="http://schemas.microsoft.com/office/drawing/2014/main" id="{1B9D519D-184D-D4BE-1E29-ED2D4C85A9FE}"/>
               </a:ext>
             </a:extLst>
           </p:cNvPr>
@@ -6964,7 +6964,7 @@
           <p:cNvPr id="2" name="Título 1">
             <a:extLst>
               <a:ext uri="{FF2B5EF4-FFF2-40B4-BE49-F238E27FC236}">
-                <a16:creationId xmlns:a16="http://schemas.microsoft.com/office/drawing/2014/main" xmlns="" id="{D76ADB44-00C2-3C41-036B-F68FDD4681D4}"/>
+                <a16:creationId xmlns:a16="http://schemas.microsoft.com/office/drawing/2014/main" id="{D76ADB44-00C2-3C41-036B-F68FDD4681D4}"/>
               </a:ext>
             </a:extLst>
           </p:cNvPr>
@@ -6993,7 +6993,7 @@
           <p:cNvPr id="4" name="Tabla 3">
             <a:extLst>
               <a:ext uri="{FF2B5EF4-FFF2-40B4-BE49-F238E27FC236}">
-                <a16:creationId xmlns:a16="http://schemas.microsoft.com/office/drawing/2014/main" xmlns="" id="{6778EA93-6821-AEB2-673D-F717BEF3A8F5}"/>
+                <a16:creationId xmlns:a16="http://schemas.microsoft.com/office/drawing/2014/main" id="{6778EA93-6821-AEB2-673D-F717BEF3A8F5}"/>
               </a:ext>
             </a:extLst>
           </p:cNvPr>
@@ -7022,42 +7022,42 @@
                 <a:gridCol w="1269624">
                   <a:extLst>
                     <a:ext uri="{9D8B030D-6E8A-4147-A177-3AD203B41FA5}">
-                      <a16:colId xmlns:a16="http://schemas.microsoft.com/office/drawing/2014/main" xmlns="" val="3339628620"/>
+                      <a16:colId xmlns:a16="http://schemas.microsoft.com/office/drawing/2014/main" val="3339628620"/>
                     </a:ext>
                   </a:extLst>
                 </a:gridCol>
                 <a:gridCol w="1154279">
                   <a:extLst>
                     <a:ext uri="{9D8B030D-6E8A-4147-A177-3AD203B41FA5}">
-                      <a16:colId xmlns:a16="http://schemas.microsoft.com/office/drawing/2014/main" xmlns="" val="3622839709"/>
+                      <a16:colId xmlns:a16="http://schemas.microsoft.com/office/drawing/2014/main" val="3622839709"/>
                     </a:ext>
                   </a:extLst>
                 </a:gridCol>
                 <a:gridCol w="912801">
                   <a:extLst>
                     <a:ext uri="{9D8B030D-6E8A-4147-A177-3AD203B41FA5}">
-                      <a16:colId xmlns:a16="http://schemas.microsoft.com/office/drawing/2014/main" xmlns="" val="2507847408"/>
+                      <a16:colId xmlns:a16="http://schemas.microsoft.com/office/drawing/2014/main" val="2507847408"/>
                     </a:ext>
                   </a:extLst>
                 </a:gridCol>
                 <a:gridCol w="1341818">
                   <a:extLst>
                     <a:ext uri="{9D8B030D-6E8A-4147-A177-3AD203B41FA5}">
-                      <a16:colId xmlns:a16="http://schemas.microsoft.com/office/drawing/2014/main" xmlns="" val="2669539556"/>
+                      <a16:colId xmlns:a16="http://schemas.microsoft.com/office/drawing/2014/main" val="2669539556"/>
                     </a:ext>
                   </a:extLst>
                 </a:gridCol>
                 <a:gridCol w="1055530">
                   <a:extLst>
                     <a:ext uri="{9D8B030D-6E8A-4147-A177-3AD203B41FA5}">
-                      <a16:colId xmlns:a16="http://schemas.microsoft.com/office/drawing/2014/main" xmlns="" val="330334773"/>
+                      <a16:colId xmlns:a16="http://schemas.microsoft.com/office/drawing/2014/main" val="330334773"/>
                     </a:ext>
                   </a:extLst>
                 </a:gridCol>
                 <a:gridCol w="1322731">
                   <a:extLst>
                     <a:ext uri="{9D8B030D-6E8A-4147-A177-3AD203B41FA5}">
-                      <a16:colId xmlns:a16="http://schemas.microsoft.com/office/drawing/2014/main" xmlns="" val="2717088122"/>
+                      <a16:colId xmlns:a16="http://schemas.microsoft.com/office/drawing/2014/main" val="2717088122"/>
                     </a:ext>
                   </a:extLst>
                 </a:gridCol>
@@ -7263,7 +7263,7 @@
                 </a:tc>
                 <a:extLst>
                   <a:ext uri="{0D108BD9-81ED-4DB2-BD59-A6C34878D82A}">
-                    <a16:rowId xmlns:a16="http://schemas.microsoft.com/office/drawing/2014/main" xmlns="" val="1344992398"/>
+                    <a16:rowId xmlns:a16="http://schemas.microsoft.com/office/drawing/2014/main" val="1344992398"/>
                   </a:ext>
                 </a:extLst>
               </a:tr>
@@ -7462,7 +7462,7 @@
                 </a:tc>
                 <a:extLst>
                   <a:ext uri="{0D108BD9-81ED-4DB2-BD59-A6C34878D82A}">
-                    <a16:rowId xmlns:a16="http://schemas.microsoft.com/office/drawing/2014/main" xmlns="" val="3802963439"/>
+                    <a16:rowId xmlns:a16="http://schemas.microsoft.com/office/drawing/2014/main" val="3802963439"/>
                   </a:ext>
                 </a:extLst>
               </a:tr>
@@ -7661,7 +7661,7 @@
                 </a:tc>
                 <a:extLst>
                   <a:ext uri="{0D108BD9-81ED-4DB2-BD59-A6C34878D82A}">
-                    <a16:rowId xmlns:a16="http://schemas.microsoft.com/office/drawing/2014/main" xmlns="" val="2552494225"/>
+                    <a16:rowId xmlns:a16="http://schemas.microsoft.com/office/drawing/2014/main" val="2552494225"/>
                   </a:ext>
                 </a:extLst>
               </a:tr>
@@ -7860,7 +7860,7 @@
                 </a:tc>
                 <a:extLst>
                   <a:ext uri="{0D108BD9-81ED-4DB2-BD59-A6C34878D82A}">
-                    <a16:rowId xmlns:a16="http://schemas.microsoft.com/office/drawing/2014/main" xmlns="" val="1123001934"/>
+                    <a16:rowId xmlns:a16="http://schemas.microsoft.com/office/drawing/2014/main" val="1123001934"/>
                   </a:ext>
                 </a:extLst>
               </a:tr>
@@ -7873,7 +7873,7 @@
           <p:cNvPr id="5" name="Rectangle 1">
             <a:extLst>
               <a:ext uri="{FF2B5EF4-FFF2-40B4-BE49-F238E27FC236}">
-                <a16:creationId xmlns:a16="http://schemas.microsoft.com/office/drawing/2014/main" xmlns="" id="{803CD5CD-9C3C-E116-60E9-E47ECA326E87}"/>
+                <a16:creationId xmlns:a16="http://schemas.microsoft.com/office/drawing/2014/main" id="{803CD5CD-9C3C-E116-60E9-E47ECA326E87}"/>
               </a:ext>
             </a:extLst>
           </p:cNvPr>
@@ -7949,19 +7949,6 @@
               <a:buNone/>
               <a:tabLst/>
             </a:pPr>
-            <a:r>
-              <a:rPr kumimoji="0" lang="en-US" altLang="en-US" sz="1800" b="0" i="0" u="none" strike="noStrike" cap="none" normalizeH="0" baseline="0">
-                <a:ln>
-                  <a:noFill/>
-                </a:ln>
-                <a:solidFill>
-                  <a:schemeClr val="tx1"/>
-                </a:solidFill>
-                <a:effectLst/>
-                <a:latin typeface="Arial" panose="020B0604020202020204" pitchFamily="34" charset="0"/>
-              </a:rPr>
-              <a:t/>
-            </a:r>
             <a:br>
               <a:rPr kumimoji="0" lang="en-US" altLang="en-US" sz="1800" b="0" i="0" u="none" strike="noStrike" cap="none" normalizeH="0" baseline="0">
                 <a:ln>
@@ -8022,7 +8009,7 @@
           <p:cNvPr id="5" name="Imagen 4">
             <a:extLst>
               <a:ext uri="{FF2B5EF4-FFF2-40B4-BE49-F238E27FC236}">
-                <a16:creationId xmlns:a16="http://schemas.microsoft.com/office/drawing/2014/main" xmlns="" id="{ACF0EAB2-746F-900F-B450-341A8C9C5233}"/>
+                <a16:creationId xmlns:a16="http://schemas.microsoft.com/office/drawing/2014/main" id="{ACF0EAB2-746F-900F-B450-341A8C9C5233}"/>
               </a:ext>
             </a:extLst>
           </p:cNvPr>
@@ -8052,7 +8039,7 @@
           <p:cNvPr id="7" name="Imagen 6">
             <a:extLst>
               <a:ext uri="{FF2B5EF4-FFF2-40B4-BE49-F238E27FC236}">
-                <a16:creationId xmlns:a16="http://schemas.microsoft.com/office/drawing/2014/main" xmlns="" id="{5F629628-517B-5620-DC41-CFBCDE094782}"/>
+                <a16:creationId xmlns:a16="http://schemas.microsoft.com/office/drawing/2014/main" id="{5F629628-517B-5620-DC41-CFBCDE094782}"/>
               </a:ext>
             </a:extLst>
           </p:cNvPr>
@@ -8082,7 +8069,7 @@
           <p:cNvPr id="2" name="Título 1">
             <a:extLst>
               <a:ext uri="{FF2B5EF4-FFF2-40B4-BE49-F238E27FC236}">
-                <a16:creationId xmlns:a16="http://schemas.microsoft.com/office/drawing/2014/main" xmlns="" id="{4105EE5B-C0E3-0BC3-5C98-3DB57A5D05A1}"/>
+                <a16:creationId xmlns:a16="http://schemas.microsoft.com/office/drawing/2014/main" id="{4105EE5B-C0E3-0BC3-5C98-3DB57A5D05A1}"/>
               </a:ext>
             </a:extLst>
           </p:cNvPr>
@@ -8148,7 +8135,7 @@
           <p:cNvPr id="2" name="Título 1">
             <a:extLst>
               <a:ext uri="{FF2B5EF4-FFF2-40B4-BE49-F238E27FC236}">
-                <a16:creationId xmlns:a16="http://schemas.microsoft.com/office/drawing/2014/main" xmlns="" id="{358FE155-CA2E-E9E3-1CCD-F54EB42989C9}"/>
+                <a16:creationId xmlns:a16="http://schemas.microsoft.com/office/drawing/2014/main" id="{358FE155-CA2E-E9E3-1CCD-F54EB42989C9}"/>
               </a:ext>
             </a:extLst>
           </p:cNvPr>
@@ -8188,7 +8175,7 @@
           <p:cNvPr id="4" name="Imagen 3">
             <a:extLst>
               <a:ext uri="{FF2B5EF4-FFF2-40B4-BE49-F238E27FC236}">
-                <a16:creationId xmlns:a16="http://schemas.microsoft.com/office/drawing/2014/main" xmlns="" id="{516BB43F-E1A5-2D53-A337-879B3DCBA3B2}"/>
+                <a16:creationId xmlns:a16="http://schemas.microsoft.com/office/drawing/2014/main" id="{516BB43F-E1A5-2D53-A337-879B3DCBA3B2}"/>
               </a:ext>
             </a:extLst>
           </p:cNvPr>
@@ -8229,7 +8216,7 @@
           <p:cNvPr id="5" name="Título 1">
             <a:extLst>
               <a:ext uri="{FF2B5EF4-FFF2-40B4-BE49-F238E27FC236}">
-                <a16:creationId xmlns:a16="http://schemas.microsoft.com/office/drawing/2014/main" xmlns="" id="{3A228E62-EFB6-FC95-1C5B-C9E0CABFA11A}"/>
+                <a16:creationId xmlns:a16="http://schemas.microsoft.com/office/drawing/2014/main" id="{3A228E62-EFB6-FC95-1C5B-C9E0CABFA11A}"/>
               </a:ext>
             </a:extLst>
           </p:cNvPr>
@@ -8311,7 +8298,7 @@
           <p:cNvPr id="2" name="Título 1">
             <a:extLst>
               <a:ext uri="{FF2B5EF4-FFF2-40B4-BE49-F238E27FC236}">
-                <a16:creationId xmlns:a16="http://schemas.microsoft.com/office/drawing/2014/main" xmlns="" id="{4B2FBBB8-06AB-C3D5-054D-5F56F7E69824}"/>
+                <a16:creationId xmlns:a16="http://schemas.microsoft.com/office/drawing/2014/main" id="{4B2FBBB8-06AB-C3D5-054D-5F56F7E69824}"/>
               </a:ext>
             </a:extLst>
           </p:cNvPr>
@@ -8347,7 +8334,7 @@
           <p:cNvPr id="4" name="Tabla 3">
             <a:extLst>
               <a:ext uri="{FF2B5EF4-FFF2-40B4-BE49-F238E27FC236}">
-                <a16:creationId xmlns:a16="http://schemas.microsoft.com/office/drawing/2014/main" xmlns="" id="{BCC1F9F7-5035-E0C0-184A-7DB97D35DFE4}"/>
+                <a16:creationId xmlns:a16="http://schemas.microsoft.com/office/drawing/2014/main" id="{BCC1F9F7-5035-E0C0-184A-7DB97D35DFE4}"/>
               </a:ext>
             </a:extLst>
           </p:cNvPr>
@@ -8376,49 +8363,49 @@
                 <a:gridCol w="1490335">
                   <a:extLst>
                     <a:ext uri="{9D8B030D-6E8A-4147-A177-3AD203B41FA5}">
-                      <a16:colId xmlns:a16="http://schemas.microsoft.com/office/drawing/2014/main" xmlns="" val="3397121986"/>
+                      <a16:colId xmlns:a16="http://schemas.microsoft.com/office/drawing/2014/main" val="3397121986"/>
                     </a:ext>
                   </a:extLst>
                 </a:gridCol>
                 <a:gridCol w="843033">
                   <a:extLst>
                     <a:ext uri="{9D8B030D-6E8A-4147-A177-3AD203B41FA5}">
-                      <a16:colId xmlns:a16="http://schemas.microsoft.com/office/drawing/2014/main" xmlns="" val="528164249"/>
+                      <a16:colId xmlns:a16="http://schemas.microsoft.com/office/drawing/2014/main" val="528164249"/>
                     </a:ext>
                   </a:extLst>
                 </a:gridCol>
                 <a:gridCol w="699350">
                   <a:extLst>
                     <a:ext uri="{9D8B030D-6E8A-4147-A177-3AD203B41FA5}">
-                      <a16:colId xmlns:a16="http://schemas.microsoft.com/office/drawing/2014/main" xmlns="" val="1046353188"/>
+                      <a16:colId xmlns:a16="http://schemas.microsoft.com/office/drawing/2014/main" val="1046353188"/>
                     </a:ext>
                   </a:extLst>
                 </a:gridCol>
                 <a:gridCol w="871622">
                   <a:extLst>
                     <a:ext uri="{9D8B030D-6E8A-4147-A177-3AD203B41FA5}">
-                      <a16:colId xmlns:a16="http://schemas.microsoft.com/office/drawing/2014/main" xmlns="" val="115766455"/>
+                      <a16:colId xmlns:a16="http://schemas.microsoft.com/office/drawing/2014/main" val="115766455"/>
                     </a:ext>
                   </a:extLst>
                 </a:gridCol>
                 <a:gridCol w="1247688">
                   <a:extLst>
                     <a:ext uri="{9D8B030D-6E8A-4147-A177-3AD203B41FA5}">
-                      <a16:colId xmlns:a16="http://schemas.microsoft.com/office/drawing/2014/main" xmlns="" val="3223546069"/>
+                      <a16:colId xmlns:a16="http://schemas.microsoft.com/office/drawing/2014/main" val="3223546069"/>
                     </a:ext>
                   </a:extLst>
                 </a:gridCol>
                 <a:gridCol w="782188">
                   <a:extLst>
                     <a:ext uri="{9D8B030D-6E8A-4147-A177-3AD203B41FA5}">
-                      <a16:colId xmlns:a16="http://schemas.microsoft.com/office/drawing/2014/main" xmlns="" val="1723180366"/>
+                      <a16:colId xmlns:a16="http://schemas.microsoft.com/office/drawing/2014/main" val="1723180366"/>
                     </a:ext>
                   </a:extLst>
                 </a:gridCol>
                 <a:gridCol w="543939">
                   <a:extLst>
                     <a:ext uri="{9D8B030D-6E8A-4147-A177-3AD203B41FA5}">
-                      <a16:colId xmlns:a16="http://schemas.microsoft.com/office/drawing/2014/main" xmlns="" val="3672707969"/>
+                      <a16:colId xmlns:a16="http://schemas.microsoft.com/office/drawing/2014/main" val="3672707969"/>
                     </a:ext>
                   </a:extLst>
                 </a:gridCol>
@@ -8782,7 +8769,7 @@
                 </a:tc>
                 <a:extLst>
                   <a:ext uri="{0D108BD9-81ED-4DB2-BD59-A6C34878D82A}">
-                    <a16:rowId xmlns:a16="http://schemas.microsoft.com/office/drawing/2014/main" xmlns="" val="2063858453"/>
+                    <a16:rowId xmlns:a16="http://schemas.microsoft.com/office/drawing/2014/main" val="2063858453"/>
                   </a:ext>
                 </a:extLst>
               </a:tr>
@@ -9035,7 +9022,7 @@
                 </a:tc>
                 <a:extLst>
                   <a:ext uri="{0D108BD9-81ED-4DB2-BD59-A6C34878D82A}">
-                    <a16:rowId xmlns:a16="http://schemas.microsoft.com/office/drawing/2014/main" xmlns="" val="2136101932"/>
+                    <a16:rowId xmlns:a16="http://schemas.microsoft.com/office/drawing/2014/main" val="2136101932"/>
                   </a:ext>
                 </a:extLst>
               </a:tr>
@@ -9288,7 +9275,7 @@
                 </a:tc>
                 <a:extLst>
                   <a:ext uri="{0D108BD9-81ED-4DB2-BD59-A6C34878D82A}">
-                    <a16:rowId xmlns:a16="http://schemas.microsoft.com/office/drawing/2014/main" xmlns="" val="1945000438"/>
+                    <a16:rowId xmlns:a16="http://schemas.microsoft.com/office/drawing/2014/main" val="1945000438"/>
                   </a:ext>
                 </a:extLst>
               </a:tr>
@@ -9541,7 +9528,7 @@
                 </a:tc>
                 <a:extLst>
                   <a:ext uri="{0D108BD9-81ED-4DB2-BD59-A6C34878D82A}">
-                    <a16:rowId xmlns:a16="http://schemas.microsoft.com/office/drawing/2014/main" xmlns="" val="1413411854"/>
+                    <a16:rowId xmlns:a16="http://schemas.microsoft.com/office/drawing/2014/main" val="1413411854"/>
                   </a:ext>
                 </a:extLst>
               </a:tr>
@@ -9554,7 +9541,7 @@
           <p:cNvPr id="3" name="Título 1">
             <a:extLst>
               <a:ext uri="{FF2B5EF4-FFF2-40B4-BE49-F238E27FC236}">
-                <a16:creationId xmlns:a16="http://schemas.microsoft.com/office/drawing/2014/main" xmlns="" id="{335243EB-A246-A90F-5335-69F479233825}"/>
+                <a16:creationId xmlns:a16="http://schemas.microsoft.com/office/drawing/2014/main" id="{335243EB-A246-A90F-5335-69F479233825}"/>
               </a:ext>
             </a:extLst>
           </p:cNvPr>
@@ -9748,7 +9735,7 @@
           <p:cNvPr id="2" name="Título 1">
             <a:extLst>
               <a:ext uri="{FF2B5EF4-FFF2-40B4-BE49-F238E27FC236}">
-                <a16:creationId xmlns:a16="http://schemas.microsoft.com/office/drawing/2014/main" xmlns="" id="{42489B80-2D96-FCF7-BEE8-EAFD3245492A}"/>
+                <a16:creationId xmlns:a16="http://schemas.microsoft.com/office/drawing/2014/main" id="{42489B80-2D96-FCF7-BEE8-EAFD3245492A}"/>
               </a:ext>
             </a:extLst>
           </p:cNvPr>
@@ -9773,15 +9760,7 @@
           <a:p>
             <a:r>
               <a:rPr lang="es-ES" dirty="0"/>
-              <a:t>2</a:t>
-            </a:r>
-            <a:r>
-              <a:rPr lang="es-ES" dirty="0" smtClean="0"/>
-              <a:t>. </a:t>
-            </a:r>
-            <a:r>
-              <a:rPr lang="es-ES" dirty="0"/>
-              <a:t>Entregable 2.3</a:t>
+              <a:t>2. Entregable 2.3</a:t>
             </a:r>
             <a:endParaRPr lang="en-US" dirty="0"/>
           </a:p>
@@ -9792,7 +9771,7 @@
           <p:cNvPr id="4" name="Imagen 3">
             <a:extLst>
               <a:ext uri="{FF2B5EF4-FFF2-40B4-BE49-F238E27FC236}">
-                <a16:creationId xmlns:a16="http://schemas.microsoft.com/office/drawing/2014/main" xmlns="" id="{D6985D84-0CED-425A-3FD1-81ED3EC6D1A3}"/>
+                <a16:creationId xmlns:a16="http://schemas.microsoft.com/office/drawing/2014/main" id="{D6985D84-0CED-425A-3FD1-81ED3EC6D1A3}"/>
               </a:ext>
             </a:extLst>
           </p:cNvPr>
@@ -9863,7 +9842,7 @@
           <p:cNvPr id="2" name="Título 1">
             <a:extLst>
               <a:ext uri="{FF2B5EF4-FFF2-40B4-BE49-F238E27FC236}">
-                <a16:creationId xmlns:a16="http://schemas.microsoft.com/office/drawing/2014/main" xmlns="" id="{4065B878-2662-4D44-ABD0-43654CC74C96}"/>
+                <a16:creationId xmlns:a16="http://schemas.microsoft.com/office/drawing/2014/main" id="{4065B878-2662-4D44-ABD0-43654CC74C96}"/>
               </a:ext>
             </a:extLst>
           </p:cNvPr>
@@ -9899,7 +9878,7 @@
           <p:cNvPr id="5" name="Imagen 4">
             <a:extLst>
               <a:ext uri="{FF2B5EF4-FFF2-40B4-BE49-F238E27FC236}">
-                <a16:creationId xmlns:a16="http://schemas.microsoft.com/office/drawing/2014/main" xmlns="" id="{D16593E9-AD05-0E73-EEAA-6972685A686C}"/>
+                <a16:creationId xmlns:a16="http://schemas.microsoft.com/office/drawing/2014/main" id="{D16593E9-AD05-0E73-EEAA-6972685A686C}"/>
               </a:ext>
             </a:extLst>
           </p:cNvPr>
@@ -9929,7 +9908,7 @@
           <p:cNvPr id="3" name="Título 1">
             <a:extLst>
               <a:ext uri="{FF2B5EF4-FFF2-40B4-BE49-F238E27FC236}">
-                <a16:creationId xmlns:a16="http://schemas.microsoft.com/office/drawing/2014/main" xmlns="" id="{237194A0-43A5-705B-F1BE-EDC7A5D7D702}"/>
+                <a16:creationId xmlns:a16="http://schemas.microsoft.com/office/drawing/2014/main" id="{237194A0-43A5-705B-F1BE-EDC7A5D7D702}"/>
               </a:ext>
             </a:extLst>
           </p:cNvPr>
@@ -9969,12 +9948,8 @@
           </a:lstStyle>
           <a:p>
             <a:r>
-              <a:rPr lang="es-ES" dirty="0" smtClean="0"/>
-              <a:t>2. </a:t>
-            </a:r>
-            <a:r>
               <a:rPr lang="es-ES" dirty="0"/>
-              <a:t>Entregable 2.3</a:t>
+              <a:t>2. Entregable 2.3</a:t>
             </a:r>
             <a:endParaRPr lang="en-US" dirty="0"/>
           </a:p>
@@ -10015,7 +9990,7 @@
           <p:cNvPr id="2" name="Título 1">
             <a:extLst>
               <a:ext uri="{FF2B5EF4-FFF2-40B4-BE49-F238E27FC236}">
-                <a16:creationId xmlns:a16="http://schemas.microsoft.com/office/drawing/2014/main" xmlns="" id="{D47EA7C6-4702-E510-9970-15B669E4AA35}"/>
+                <a16:creationId xmlns:a16="http://schemas.microsoft.com/office/drawing/2014/main" id="{D47EA7C6-4702-E510-9970-15B669E4AA35}"/>
               </a:ext>
             </a:extLst>
           </p:cNvPr>
@@ -10044,7 +10019,7 @@
           <p:cNvPr id="3" name="Marcador de contenido 2">
             <a:extLst>
               <a:ext uri="{FF2B5EF4-FFF2-40B4-BE49-F238E27FC236}">
-                <a16:creationId xmlns:a16="http://schemas.microsoft.com/office/drawing/2014/main" xmlns="" id="{33205D5E-79DF-6D2A-8C90-1EAA4BF4022C}"/>
+                <a16:creationId xmlns:a16="http://schemas.microsoft.com/office/drawing/2014/main" id="{33205D5E-79DF-6D2A-8C90-1EAA4BF4022C}"/>
               </a:ext>
             </a:extLst>
           </p:cNvPr>
@@ -10073,13 +10048,7 @@
               <a:rPr lang="en-US" b="1" i="0" u="none" strike="noStrike" baseline="0" dirty="0">
                 <a:latin typeface="Arial-BoldMT"/>
               </a:rPr>
-              <a:t>(</a:t>
-            </a:r>
-            <a:r>
-              <a:rPr lang="en-US" b="1" i="0" u="none" strike="noStrike" baseline="0" dirty="0" smtClean="0">
-                <a:latin typeface="Arial-BoldMT"/>
-              </a:rPr>
-              <a:t>M16)</a:t>
+              <a:t>(M16)</a:t>
             </a:r>
             <a:endParaRPr lang="en-US" sz="4800" dirty="0"/>
           </a:p>
@@ -10120,7 +10089,7 @@
           <p:cNvPr id="2" name="Título 1">
             <a:extLst>
               <a:ext uri="{FF2B5EF4-FFF2-40B4-BE49-F238E27FC236}">
-                <a16:creationId xmlns:a16="http://schemas.microsoft.com/office/drawing/2014/main" xmlns="" id="{FF2FE9E9-A742-9EDB-FAA8-7A295EF8B258}"/>
+                <a16:creationId xmlns:a16="http://schemas.microsoft.com/office/drawing/2014/main" id="{FF2FE9E9-A742-9EDB-FAA8-7A295EF8B258}"/>
               </a:ext>
             </a:extLst>
           </p:cNvPr>
@@ -10138,12 +10107,8 @@
           <a:p>
             <a:pPr algn="l"/>
             <a:r>
-              <a:rPr lang="es-ES" dirty="0" smtClean="0"/>
-              <a:t>3. </a:t>
-            </a:r>
-            <a:r>
               <a:rPr lang="es-ES" dirty="0"/>
-              <a:t>Problemas y Soluciones</a:t>
+              <a:t>3. Problemas y Soluciones</a:t>
             </a:r>
             <a:endParaRPr lang="en-US" dirty="0"/>
           </a:p>
@@ -10154,7 +10119,7 @@
           <p:cNvPr id="3" name="Marcador de contenido 2">
             <a:extLst>
               <a:ext uri="{FF2B5EF4-FFF2-40B4-BE49-F238E27FC236}">
-                <a16:creationId xmlns:a16="http://schemas.microsoft.com/office/drawing/2014/main" xmlns="" id="{9A0E9852-1A5E-D10D-1ADD-640E858F4552}"/>
+                <a16:creationId xmlns:a16="http://schemas.microsoft.com/office/drawing/2014/main" id="{9A0E9852-1A5E-D10D-1ADD-640E858F4552}"/>
               </a:ext>
             </a:extLst>
           </p:cNvPr>
@@ -10242,7 +10207,7 @@
           <p:cNvPr id="2" name="Título 1">
             <a:extLst>
               <a:ext uri="{FF2B5EF4-FFF2-40B4-BE49-F238E27FC236}">
-                <a16:creationId xmlns:a16="http://schemas.microsoft.com/office/drawing/2014/main" xmlns="" id="{871E17A2-E1D4-66B2-C542-65FB41829834}"/>
+                <a16:creationId xmlns:a16="http://schemas.microsoft.com/office/drawing/2014/main" id="{871E17A2-E1D4-66B2-C542-65FB41829834}"/>
               </a:ext>
             </a:extLst>
           </p:cNvPr>
@@ -10260,12 +10225,8 @@
           <a:p>
             <a:pPr algn="l"/>
             <a:r>
-              <a:rPr lang="es-ES" dirty="0" smtClean="0"/>
-              <a:t>4. </a:t>
-            </a:r>
-            <a:r>
               <a:rPr lang="es-ES" dirty="0"/>
-              <a:t>Prueba de validación</a:t>
+              <a:t>4. Prueba de validación</a:t>
             </a:r>
             <a:endParaRPr lang="en-US" dirty="0"/>
           </a:p>
@@ -10276,7 +10237,7 @@
           <p:cNvPr id="3" name="Marcador de contenido 2">
             <a:extLst>
               <a:ext uri="{FF2B5EF4-FFF2-40B4-BE49-F238E27FC236}">
-                <a16:creationId xmlns:a16="http://schemas.microsoft.com/office/drawing/2014/main" xmlns="" id="{3B4C5729-3BBC-9FB7-814C-1C7FC1BB2DFF}"/>
+                <a16:creationId xmlns:a16="http://schemas.microsoft.com/office/drawing/2014/main" id="{3B4C5729-3BBC-9FB7-814C-1C7FC1BB2DFF}"/>
               </a:ext>
             </a:extLst>
           </p:cNvPr>
@@ -10349,7 +10310,7 @@
           <p:cNvPr id="2" name="Título 1">
             <a:extLst>
               <a:ext uri="{FF2B5EF4-FFF2-40B4-BE49-F238E27FC236}">
-                <a16:creationId xmlns:a16="http://schemas.microsoft.com/office/drawing/2014/main" xmlns="" id="{7AA20F14-DE2C-358A-76EC-D5A578278EF6}"/>
+                <a16:creationId xmlns:a16="http://schemas.microsoft.com/office/drawing/2014/main" id="{7AA20F14-DE2C-358A-76EC-D5A578278EF6}"/>
               </a:ext>
             </a:extLst>
           </p:cNvPr>
@@ -10379,7 +10340,7 @@
           <p:cNvPr id="4" name="Imagen 3">
             <a:extLst>
               <a:ext uri="{FF2B5EF4-FFF2-40B4-BE49-F238E27FC236}">
-                <a16:creationId xmlns:a16="http://schemas.microsoft.com/office/drawing/2014/main" xmlns="" id="{D09986B0-3EEF-23E6-9DE3-BE224F3C6CFF}"/>
+                <a16:creationId xmlns:a16="http://schemas.microsoft.com/office/drawing/2014/main" id="{D09986B0-3EEF-23E6-9DE3-BE224F3C6CFF}"/>
               </a:ext>
             </a:extLst>
           </p:cNvPr>
@@ -10438,7 +10399,7 @@
           <p:cNvPr id="2" name="Título 1">
             <a:extLst>
               <a:ext uri="{FF2B5EF4-FFF2-40B4-BE49-F238E27FC236}">
-                <a16:creationId xmlns:a16="http://schemas.microsoft.com/office/drawing/2014/main" xmlns="" id="{D521584C-E72B-0F04-E664-EC5BE709C406}"/>
+                <a16:creationId xmlns:a16="http://schemas.microsoft.com/office/drawing/2014/main" id="{D521584C-E72B-0F04-E664-EC5BE709C406}"/>
               </a:ext>
             </a:extLst>
           </p:cNvPr>
@@ -10456,12 +10417,8 @@
           <a:p>
             <a:pPr algn="l"/>
             <a:r>
-              <a:rPr lang="es-ES" dirty="0" smtClean="0"/>
-              <a:t>1. Paquete </a:t>
-            </a:r>
-            <a:r>
               <a:rPr lang="es-ES" dirty="0"/>
-              <a:t>de Trabajo 1</a:t>
+              <a:t>1. Paquete de Trabajo 1</a:t>
             </a:r>
             <a:endParaRPr lang="en-US" dirty="0"/>
           </a:p>
@@ -10472,7 +10429,7 @@
           <p:cNvPr id="3" name="Marcador de contenido 2">
             <a:extLst>
               <a:ext uri="{FF2B5EF4-FFF2-40B4-BE49-F238E27FC236}">
-                <a16:creationId xmlns:a16="http://schemas.microsoft.com/office/drawing/2014/main" xmlns="" id="{319E6FAD-6EB0-A7C4-E981-AC6126DD18F4}"/>
+                <a16:creationId xmlns:a16="http://schemas.microsoft.com/office/drawing/2014/main" id="{319E6FAD-6EB0-A7C4-E981-AC6126DD18F4}"/>
               </a:ext>
             </a:extLst>
           </p:cNvPr>
@@ -10492,44 +10449,24 @@
           <a:p>
             <a:r>
               <a:rPr lang="es-ES" dirty="0"/>
-              <a:t>Entregable </a:t>
-            </a:r>
-            <a:r>
-              <a:rPr lang="es-ES" dirty="0" smtClean="0"/>
-              <a:t>1.1</a:t>
-            </a:r>
+              <a:t>Entregable 1.1: Informe de estado de la técnica</a:t>
+            </a:r>
+          </a:p>
+          <a:p>
             <a:r>
               <a:rPr lang="es-ES" dirty="0"/>
-              <a:t>: Informe de estado de la técnica</a:t>
-            </a:r>
-          </a:p>
-          <a:p>
-            <a:r>
-              <a:rPr lang="es-ES" dirty="0" smtClean="0"/>
-              <a:t>Entregable </a:t>
-            </a:r>
-            <a:r>
-              <a:rPr lang="es-ES" dirty="0" smtClean="0"/>
-              <a:t>1.2: Catálogo </a:t>
-            </a:r>
+              <a:t>Entregable 1.2: Catálogo de requisitos</a:t>
+            </a:r>
+          </a:p>
+          <a:p>
             <a:r>
               <a:rPr lang="es-ES" dirty="0"/>
-              <a:t>de requisitos</a:t>
-            </a:r>
-          </a:p>
-          <a:p>
-            <a:r>
-              <a:rPr lang="es-ES" dirty="0" smtClean="0"/>
-              <a:t>Entregable 1.3: Diseño </a:t>
-            </a:r>
-            <a:r>
-              <a:rPr lang="es-ES" dirty="0"/>
-              <a:t>conceptual del sistema</a:t>
+              <a:t>Entregable 1.3: Diseño conceptual del sistema</a:t>
             </a:r>
             <a:endParaRPr lang="en-US" dirty="0"/>
           </a:p>
           <a:p>
-            <a:endParaRPr lang="es-ES" dirty="0" smtClean="0"/>
+            <a:endParaRPr lang="es-ES" dirty="0"/>
           </a:p>
         </p:txBody>
       </p:sp>
@@ -10568,7 +10505,7 @@
           <p:cNvPr id="2" name="Título 1">
             <a:extLst>
               <a:ext uri="{FF2B5EF4-FFF2-40B4-BE49-F238E27FC236}">
-                <a16:creationId xmlns:a16="http://schemas.microsoft.com/office/drawing/2014/main" xmlns="" id="{CC2B29B3-59C0-697F-8AEF-7094E3188F1E}"/>
+                <a16:creationId xmlns:a16="http://schemas.microsoft.com/office/drawing/2014/main" id="{CC2B29B3-59C0-697F-8AEF-7094E3188F1E}"/>
               </a:ext>
             </a:extLst>
           </p:cNvPr>
@@ -10586,12 +10523,8 @@
           <a:p>
             <a:pPr algn="l"/>
             <a:r>
-              <a:rPr lang="es-ES" dirty="0" smtClean="0"/>
-              <a:t>1. Entregable </a:t>
-            </a:r>
-            <a:r>
               <a:rPr lang="es-ES" dirty="0"/>
-              <a:t>1.1</a:t>
+              <a:t>1. Entregable 1.1</a:t>
             </a:r>
             <a:endParaRPr lang="en-US" dirty="0"/>
           </a:p>
@@ -10602,7 +10535,7 @@
           <p:cNvPr id="3" name="Marcador de contenido 2">
             <a:extLst>
               <a:ext uri="{FF2B5EF4-FFF2-40B4-BE49-F238E27FC236}">
-                <a16:creationId xmlns:a16="http://schemas.microsoft.com/office/drawing/2014/main" xmlns="" id="{B39747C2-788D-6070-BEB4-C65DAF82477B}"/>
+                <a16:creationId xmlns:a16="http://schemas.microsoft.com/office/drawing/2014/main" id="{B39747C2-788D-6070-BEB4-C65DAF82477B}"/>
               </a:ext>
             </a:extLst>
           </p:cNvPr>
@@ -10637,19 +10570,25 @@
             </a:r>
           </a:p>
           <a:p>
+            <a:pPr lvl="2"/>
+            <a:r>
+              <a:rPr lang="es-ES" dirty="0"/>
+              <a:t>Inerciales: diferentes tipos de sensores en un dispositivo para registro de datos cinemáticos.</a:t>
+            </a:r>
+            <a:endParaRPr lang="en-US" dirty="0"/>
+          </a:p>
+          <a:p>
+            <a:pPr marL="914400" lvl="2" indent="0">
+              <a:buNone/>
+            </a:pPr>
+            <a:endParaRPr lang="es-ES" dirty="0"/>
+          </a:p>
+          <a:p>
             <a:pPr lvl="1"/>
             <a:r>
               <a:rPr lang="es-ES" dirty="0"/>
               <a:t>No vestibles: captura de movimientos, plataformas de fuerza, etc.</a:t>
             </a:r>
-          </a:p>
-          <a:p>
-            <a:pPr lvl="1"/>
-            <a:r>
-              <a:rPr lang="es-ES" dirty="0"/>
-              <a:t>Inerciales: diferentes tipos de sensores en un dispositivo para registro de datos cinemáticos.</a:t>
-            </a:r>
-            <a:endParaRPr lang="en-US" dirty="0"/>
           </a:p>
         </p:txBody>
       </p:sp>
@@ -10688,7 +10627,7 @@
           <p:cNvPr id="2" name="Título 1">
             <a:extLst>
               <a:ext uri="{FF2B5EF4-FFF2-40B4-BE49-F238E27FC236}">
-                <a16:creationId xmlns:a16="http://schemas.microsoft.com/office/drawing/2014/main" xmlns="" id="{CC2B29B3-59C0-697F-8AEF-7094E3188F1E}"/>
+                <a16:creationId xmlns:a16="http://schemas.microsoft.com/office/drawing/2014/main" id="{CC2B29B3-59C0-697F-8AEF-7094E3188F1E}"/>
               </a:ext>
             </a:extLst>
           </p:cNvPr>
@@ -10706,12 +10645,8 @@
           <a:p>
             <a:pPr algn="l"/>
             <a:r>
-              <a:rPr lang="es-ES" dirty="0" smtClean="0"/>
-              <a:t>1. Entregable </a:t>
-            </a:r>
-            <a:r>
               <a:rPr lang="es-ES" dirty="0"/>
-              <a:t>1.2</a:t>
+              <a:t>1. Entregable 1.2</a:t>
             </a:r>
             <a:endParaRPr lang="en-US" dirty="0"/>
           </a:p>
@@ -10722,7 +10657,7 @@
           <p:cNvPr id="3" name="Marcador de contenido 2">
             <a:extLst>
               <a:ext uri="{FF2B5EF4-FFF2-40B4-BE49-F238E27FC236}">
-                <a16:creationId xmlns:a16="http://schemas.microsoft.com/office/drawing/2014/main" xmlns="" id="{B39747C2-788D-6070-BEB4-C65DAF82477B}"/>
+                <a16:creationId xmlns:a16="http://schemas.microsoft.com/office/drawing/2014/main" id="{B39747C2-788D-6070-BEB4-C65DAF82477B}"/>
               </a:ext>
             </a:extLst>
           </p:cNvPr>
@@ -10887,7 +10822,7 @@
           <p:cNvPr id="2" name="Título 1">
             <a:extLst>
               <a:ext uri="{FF2B5EF4-FFF2-40B4-BE49-F238E27FC236}">
-                <a16:creationId xmlns:a16="http://schemas.microsoft.com/office/drawing/2014/main" xmlns="" id="{CC2B29B3-59C0-697F-8AEF-7094E3188F1E}"/>
+                <a16:creationId xmlns:a16="http://schemas.microsoft.com/office/drawing/2014/main" id="{CC2B29B3-59C0-697F-8AEF-7094E3188F1E}"/>
               </a:ext>
             </a:extLst>
           </p:cNvPr>
@@ -10898,19 +10833,22 @@
             <p:ph type="title"/>
           </p:nvPr>
         </p:nvSpPr>
-        <p:spPr/>
+        <p:spPr>
+          <a:xfrm>
+            <a:off x="26462" y="125760"/>
+            <a:ext cx="9010034" cy="1070992"/>
+          </a:xfrm>
+        </p:spPr>
         <p:txBody>
-          <a:bodyPr/>
+          <a:bodyPr>
+            <a:normAutofit fontScale="90000"/>
+          </a:bodyPr>
           <a:lstStyle/>
           <a:p>
             <a:pPr algn="l"/>
             <a:r>
-              <a:rPr lang="es-ES" dirty="0" smtClean="0"/>
-              <a:t>1. Entregable </a:t>
-            </a:r>
-            <a:r>
               <a:rPr lang="es-ES" dirty="0"/>
-              <a:t>1.3</a:t>
+              <a:t>1. Entregable 1.3. Arquitectura y Casos de Uso</a:t>
             </a:r>
             <a:endParaRPr lang="en-US" dirty="0"/>
           </a:p>
@@ -10921,7 +10859,7 @@
           <p:cNvPr id="9" name="Imagen 8">
             <a:extLst>
               <a:ext uri="{FF2B5EF4-FFF2-40B4-BE49-F238E27FC236}">
-                <a16:creationId xmlns:a16="http://schemas.microsoft.com/office/drawing/2014/main" xmlns="" id="{1B7AE12F-39ED-4E13-F880-EF1ECAD717A5}"/>
+                <a16:creationId xmlns:a16="http://schemas.microsoft.com/office/drawing/2014/main" id="{1B7AE12F-39ED-4E13-F880-EF1ECAD717A5}"/>
               </a:ext>
             </a:extLst>
           </p:cNvPr>
@@ -10981,7 +10919,7 @@
           <p:cNvPr id="2" name="Título 1">
             <a:extLst>
               <a:ext uri="{FF2B5EF4-FFF2-40B4-BE49-F238E27FC236}">
-                <a16:creationId xmlns:a16="http://schemas.microsoft.com/office/drawing/2014/main" xmlns="" id="{D521584C-E72B-0F04-E664-EC5BE709C406}"/>
+                <a16:creationId xmlns:a16="http://schemas.microsoft.com/office/drawing/2014/main" id="{D521584C-E72B-0F04-E664-EC5BE709C406}"/>
               </a:ext>
             </a:extLst>
           </p:cNvPr>
@@ -10999,12 +10937,8 @@
           <a:p>
             <a:pPr algn="l"/>
             <a:r>
-              <a:rPr lang="es-ES" dirty="0" smtClean="0"/>
-              <a:t>2. Paquete </a:t>
-            </a:r>
-            <a:r>
               <a:rPr lang="es-ES" dirty="0"/>
-              <a:t>de Trabajo 2</a:t>
+              <a:t>2. Paquete de Trabajo 2</a:t>
             </a:r>
             <a:endParaRPr lang="en-US" dirty="0"/>
           </a:p>
@@ -11015,7 +10949,7 @@
           <p:cNvPr id="3" name="Marcador de contenido 2">
             <a:extLst>
               <a:ext uri="{FF2B5EF4-FFF2-40B4-BE49-F238E27FC236}">
-                <a16:creationId xmlns:a16="http://schemas.microsoft.com/office/drawing/2014/main" xmlns="" id="{319E6FAD-6EB0-A7C4-E981-AC6126DD18F4}"/>
+                <a16:creationId xmlns:a16="http://schemas.microsoft.com/office/drawing/2014/main" id="{319E6FAD-6EB0-A7C4-E981-AC6126DD18F4}"/>
               </a:ext>
             </a:extLst>
           </p:cNvPr>
@@ -11035,52 +10969,19 @@
           <a:p>
             <a:r>
               <a:rPr lang="es-ES" dirty="0"/>
-              <a:t>Entregable </a:t>
-            </a:r>
-            <a:r>
-              <a:rPr lang="es-ES" dirty="0" smtClean="0"/>
-              <a:t>2.1: Banco </a:t>
-            </a:r>
+              <a:t>Entregable 2.1: Banco de pruebas</a:t>
+            </a:r>
+          </a:p>
+          <a:p>
             <a:r>
               <a:rPr lang="es-ES" dirty="0"/>
-              <a:t>de </a:t>
-            </a:r>
-            <a:r>
-              <a:rPr lang="es-ES" dirty="0" smtClean="0"/>
-              <a:t>pruebas</a:t>
-            </a:r>
-            <a:endParaRPr lang="es-ES" dirty="0"/>
+              <a:t>Entregable 2.2: Protocolo de benchmarking para la evaluación de dispositivos inerciales de medición de la marcha</a:t>
+            </a:r>
           </a:p>
           <a:p>
             <a:r>
               <a:rPr lang="es-ES" dirty="0"/>
-              <a:t>Entregable </a:t>
-            </a:r>
-            <a:r>
-              <a:rPr lang="es-ES" dirty="0" smtClean="0"/>
-              <a:t>2.2: Protocolo </a:t>
-            </a:r>
-            <a:r>
-              <a:rPr lang="es-ES" dirty="0"/>
-              <a:t>de benchmarking para la evaluación de dispositivos inerciales </a:t>
-            </a:r>
-            <a:r>
-              <a:rPr lang="es-ES" dirty="0" smtClean="0"/>
-              <a:t>de medición </a:t>
-            </a:r>
-            <a:r>
-              <a:rPr lang="es-ES" dirty="0"/>
-              <a:t>de la marcha</a:t>
-            </a:r>
-          </a:p>
-          <a:p>
-            <a:r>
-              <a:rPr lang="es-ES" dirty="0" smtClean="0"/>
-              <a:t>Entregable 2.3: Plan </a:t>
-            </a:r>
-            <a:r>
-              <a:rPr lang="es-ES" dirty="0"/>
-              <a:t>de captura de datos</a:t>
+              <a:t>Entregable 2.3: Plan de captura de datos</a:t>
             </a:r>
             <a:endParaRPr lang="en-US" dirty="0"/>
           </a:p>
@@ -11088,7 +10989,7 @@
             <a:pPr marL="0" indent="0">
               <a:buNone/>
             </a:pPr>
-            <a:endParaRPr lang="es-ES" dirty="0" smtClean="0"/>
+            <a:endParaRPr lang="es-ES" dirty="0"/>
           </a:p>
         </p:txBody>
       </p:sp>
@@ -11127,7 +11028,7 @@
           <p:cNvPr id="2" name="Título 1">
             <a:extLst>
               <a:ext uri="{FF2B5EF4-FFF2-40B4-BE49-F238E27FC236}">
-                <a16:creationId xmlns:a16="http://schemas.microsoft.com/office/drawing/2014/main" xmlns="" id="{D9DAEDB9-69DC-0A66-C338-838BFC6EA13A}"/>
+                <a16:creationId xmlns:a16="http://schemas.microsoft.com/office/drawing/2014/main" id="{D9DAEDB9-69DC-0A66-C338-838BFC6EA13A}"/>
               </a:ext>
             </a:extLst>
           </p:cNvPr>
@@ -11157,7 +11058,7 @@
           <p:cNvPr id="15" name="Tabla 14">
             <a:extLst>
               <a:ext uri="{FF2B5EF4-FFF2-40B4-BE49-F238E27FC236}">
-                <a16:creationId xmlns:a16="http://schemas.microsoft.com/office/drawing/2014/main" xmlns="" id="{7B2216CE-3FDF-D23D-1C54-F06A1AED069C}"/>
+                <a16:creationId xmlns:a16="http://schemas.microsoft.com/office/drawing/2014/main" id="{7B2216CE-3FDF-D23D-1C54-F06A1AED069C}"/>
               </a:ext>
             </a:extLst>
           </p:cNvPr>
@@ -11174,7 +11075,7 @@
         </p:nvGraphicFramePr>
         <p:xfrm>
           <a:off x="611561" y="1340768"/>
-          <a:ext cx="8208914" cy="4024376"/>
+          <a:ext cx="8208914" cy="4022033"/>
         </p:xfrm>
         <a:graphic>
           <a:graphicData uri="http://schemas.openxmlformats.org/drawingml/2006/table">
@@ -11186,49 +11087,49 @@
                 <a:gridCol w="2016224">
                   <a:extLst>
                     <a:ext uri="{9D8B030D-6E8A-4147-A177-3AD203B41FA5}">
-                      <a16:colId xmlns:a16="http://schemas.microsoft.com/office/drawing/2014/main" xmlns="" val="806081702"/>
+                      <a16:colId xmlns:a16="http://schemas.microsoft.com/office/drawing/2014/main" val="806081702"/>
                     </a:ext>
                   </a:extLst>
                 </a:gridCol>
                 <a:gridCol w="1368151">
                   <a:extLst>
                     <a:ext uri="{9D8B030D-6E8A-4147-A177-3AD203B41FA5}">
-                      <a16:colId xmlns:a16="http://schemas.microsoft.com/office/drawing/2014/main" xmlns="" val="2518473419"/>
+                      <a16:colId xmlns:a16="http://schemas.microsoft.com/office/drawing/2014/main" val="2518473419"/>
                     </a:ext>
                   </a:extLst>
                 </a:gridCol>
                 <a:gridCol w="936104">
                   <a:extLst>
                     <a:ext uri="{9D8B030D-6E8A-4147-A177-3AD203B41FA5}">
-                      <a16:colId xmlns:a16="http://schemas.microsoft.com/office/drawing/2014/main" xmlns="" val="1269976697"/>
+                      <a16:colId xmlns:a16="http://schemas.microsoft.com/office/drawing/2014/main" val="1269976697"/>
                     </a:ext>
                   </a:extLst>
                 </a:gridCol>
                 <a:gridCol w="792090">
                   <a:extLst>
                     <a:ext uri="{9D8B030D-6E8A-4147-A177-3AD203B41FA5}">
-                      <a16:colId xmlns:a16="http://schemas.microsoft.com/office/drawing/2014/main" xmlns="" val="222469864"/>
+                      <a16:colId xmlns:a16="http://schemas.microsoft.com/office/drawing/2014/main" val="222469864"/>
                     </a:ext>
                   </a:extLst>
                 </a:gridCol>
                 <a:gridCol w="864094">
                   <a:extLst>
                     <a:ext uri="{9D8B030D-6E8A-4147-A177-3AD203B41FA5}">
-                      <a16:colId xmlns:a16="http://schemas.microsoft.com/office/drawing/2014/main" xmlns="" val="3404969337"/>
+                      <a16:colId xmlns:a16="http://schemas.microsoft.com/office/drawing/2014/main" val="3404969337"/>
                     </a:ext>
                   </a:extLst>
                 </a:gridCol>
                 <a:gridCol w="1200136">
                   <a:extLst>
                     <a:ext uri="{9D8B030D-6E8A-4147-A177-3AD203B41FA5}">
-                      <a16:colId xmlns:a16="http://schemas.microsoft.com/office/drawing/2014/main" xmlns="" val="826563878"/>
+                      <a16:colId xmlns:a16="http://schemas.microsoft.com/office/drawing/2014/main" val="826563878"/>
                     </a:ext>
                   </a:extLst>
                 </a:gridCol>
                 <a:gridCol w="1032115">
                   <a:extLst>
                     <a:ext uri="{9D8B030D-6E8A-4147-A177-3AD203B41FA5}">
-                      <a16:colId xmlns:a16="http://schemas.microsoft.com/office/drawing/2014/main" xmlns="" val="2500953565"/>
+                      <a16:colId xmlns:a16="http://schemas.microsoft.com/office/drawing/2014/main" val="2500953565"/>
                     </a:ext>
                   </a:extLst>
                 </a:gridCol>
@@ -11327,16 +11228,10 @@
                         </a:spcAft>
                       </a:pPr>
                       <a:r>
-                        <a:rPr lang="es-ES" sz="1200" dirty="0" smtClean="0">
-                          <a:effectLst/>
-                        </a:rPr>
-                        <a:t>de </a:t>
-                      </a:r>
-                      <a:r>
                         <a:rPr lang="es-ES" sz="1200" dirty="0">
                           <a:effectLst/>
                         </a:rPr>
-                        <a:t>caída)</a:t>
+                        <a:t>de caída)</a:t>
                       </a:r>
                       <a:endParaRPr lang="en-US" sz="1200" dirty="0">
                         <a:effectLst/>
@@ -11532,7 +11427,7 @@
                 </a:tc>
                 <a:extLst>
                   <a:ext uri="{0D108BD9-81ED-4DB2-BD59-A6C34878D82A}">
-                    <a16:rowId xmlns:a16="http://schemas.microsoft.com/office/drawing/2014/main" xmlns="" val="1413499708"/>
+                    <a16:rowId xmlns:a16="http://schemas.microsoft.com/office/drawing/2014/main" val="1413499708"/>
                   </a:ext>
                 </a:extLst>
               </a:tr>
@@ -11560,16 +11455,10 @@
                         <a:t>Kokima</a:t>
                       </a:r>
                       <a:r>
-                        <a:rPr lang="es-ES" sz="1200" dirty="0" smtClean="0">
-                          <a:effectLst/>
-                        </a:rPr>
-                        <a:t>, 2008 </a:t>
-                      </a:r>
-                      <a:r>
                         <a:rPr lang="es-ES" sz="1200" dirty="0">
                           <a:effectLst/>
                         </a:rPr>
-                        <a:t>[3]</a:t>
+                        <a:t>, 2008 [3]</a:t>
                       </a:r>
                       <a:endParaRPr lang="en-US" sz="1200" dirty="0">
                         <a:effectLst/>
@@ -11598,16 +11487,10 @@
                         </a:spcAft>
                       </a:pPr>
                       <a:r>
-                        <a:rPr lang="es-ES" sz="1200" dirty="0" smtClean="0">
-                          <a:effectLst/>
-                        </a:rPr>
-                        <a:t>153 (</a:t>
-                      </a:r>
-                      <a:r>
                         <a:rPr lang="es-ES" sz="1200" dirty="0">
                           <a:effectLst/>
                         </a:rPr>
-                        <a:t>22)</a:t>
+                        <a:t>153 (22)</a:t>
                       </a:r>
                       <a:endParaRPr lang="en-US" sz="1200" dirty="0">
                         <a:effectLst/>
@@ -11781,7 +11664,7 @@
                 </a:tc>
                 <a:extLst>
                   <a:ext uri="{0D108BD9-81ED-4DB2-BD59-A6C34878D82A}">
-                    <a16:rowId xmlns:a16="http://schemas.microsoft.com/office/drawing/2014/main" xmlns="" val="368475155"/>
+                    <a16:rowId xmlns:a16="http://schemas.microsoft.com/office/drawing/2014/main" val="368475155"/>
                   </a:ext>
                 </a:extLst>
               </a:tr>
@@ -11841,16 +11724,10 @@
                         </a:spcAft>
                       </a:pPr>
                       <a:r>
-                        <a:rPr lang="es-ES" sz="1200" dirty="0" smtClean="0">
-                          <a:effectLst/>
-                        </a:rPr>
-                        <a:t>17 (</a:t>
-                      </a:r>
-                      <a:r>
                         <a:rPr lang="es-ES" sz="1200" dirty="0">
                           <a:effectLst/>
                         </a:rPr>
-                        <a:t>12)</a:t>
+                        <a:t>17 (12)</a:t>
                       </a:r>
                       <a:endParaRPr lang="en-US" sz="1200" dirty="0">
                         <a:effectLst/>
@@ -12024,7 +11901,7 @@
                 </a:tc>
                 <a:extLst>
                   <a:ext uri="{0D108BD9-81ED-4DB2-BD59-A6C34878D82A}">
-                    <a16:rowId xmlns:a16="http://schemas.microsoft.com/office/drawing/2014/main" xmlns="" val="2798433335"/>
+                    <a16:rowId xmlns:a16="http://schemas.microsoft.com/office/drawing/2014/main" val="2798433335"/>
                   </a:ext>
                 </a:extLst>
               </a:tr>
@@ -12049,57 +11926,39 @@
                         <a:rPr lang="es-ES" sz="1200" dirty="0">
                           <a:effectLst/>
                         </a:rPr>
-                        <a:t>Green, </a:t>
-                      </a:r>
-                      <a:r>
-                        <a:rPr lang="es-ES" sz="1200" dirty="0" smtClean="0">
-                          <a:effectLst/>
-                        </a:rPr>
-                        <a:t> 2010 </a:t>
-                      </a:r>
+                        <a:t>Green,  2010 [5]</a:t>
+                      </a:r>
+                      <a:endParaRPr lang="en-US" sz="1200" dirty="0">
+                        <a:effectLst/>
+                        <a:latin typeface="Calibri" panose="020F0502020204030204" pitchFamily="34" charset="0"/>
+                        <a:ea typeface="Times New Roman" panose="02020603050405020304" pitchFamily="18" charset="0"/>
+                        <a:cs typeface="Times New Roman" panose="02020603050405020304" pitchFamily="18" charset="0"/>
+                      </a:endParaRPr>
+                    </a:p>
+                  </a:txBody>
+                  <a:tcPr marL="68580" marR="68580" marT="0" marB="0" anchor="ctr"/>
+                </a:tc>
+                <a:tc>
+                  <a:txBody>
+                    <a:bodyPr/>
+                    <a:lstStyle/>
+                    <a:p>
+                      <a:pPr marL="0" marR="0" algn="ctr">
+                        <a:lnSpc>
+                          <a:spcPct val="100000"/>
+                        </a:lnSpc>
+                        <a:spcBef>
+                          <a:spcPts val="0"/>
+                        </a:spcBef>
+                        <a:spcAft>
+                          <a:spcPts val="0"/>
+                        </a:spcAft>
+                      </a:pPr>
                       <a:r>
                         <a:rPr lang="es-ES" sz="1200" dirty="0">
                           <a:effectLst/>
                         </a:rPr>
-                        <a:t>[5]</a:t>
-                      </a:r>
-                      <a:endParaRPr lang="en-US" sz="1200" dirty="0">
-                        <a:effectLst/>
-                        <a:latin typeface="Calibri" panose="020F0502020204030204" pitchFamily="34" charset="0"/>
-                        <a:ea typeface="Times New Roman" panose="02020603050405020304" pitchFamily="18" charset="0"/>
-                        <a:cs typeface="Times New Roman" panose="02020603050405020304" pitchFamily="18" charset="0"/>
-                      </a:endParaRPr>
-                    </a:p>
-                  </a:txBody>
-                  <a:tcPr marL="68580" marR="68580" marT="0" marB="0" anchor="ctr"/>
-                </a:tc>
-                <a:tc>
-                  <a:txBody>
-                    <a:bodyPr/>
-                    <a:lstStyle/>
-                    <a:p>
-                      <a:pPr marL="0" marR="0" algn="ctr">
-                        <a:lnSpc>
-                          <a:spcPct val="100000"/>
-                        </a:lnSpc>
-                        <a:spcBef>
-                          <a:spcPts val="0"/>
-                        </a:spcBef>
-                        <a:spcAft>
-                          <a:spcPts val="0"/>
-                        </a:spcAft>
-                      </a:pPr>
-                      <a:r>
-                        <a:rPr lang="es-ES" sz="1200" dirty="0" smtClean="0">
-                          <a:effectLst/>
-                        </a:rPr>
-                        <a:t>349 (</a:t>
-                      </a:r>
-                      <a:r>
-                        <a:rPr lang="es-ES" sz="1200" dirty="0">
-                          <a:effectLst/>
-                        </a:rPr>
-                        <a:t>207)</a:t>
+                        <a:t>349 (207)</a:t>
                       </a:r>
                       <a:endParaRPr lang="en-US" sz="1200" dirty="0">
                         <a:effectLst/>
@@ -12273,7 +12132,7 @@
                 </a:tc>
                 <a:extLst>
                   <a:ext uri="{0D108BD9-81ED-4DB2-BD59-A6C34878D82A}">
-                    <a16:rowId xmlns:a16="http://schemas.microsoft.com/office/drawing/2014/main" xmlns="" val="2780011603"/>
+                    <a16:rowId xmlns:a16="http://schemas.microsoft.com/office/drawing/2014/main" val="2780011603"/>
                   </a:ext>
                 </a:extLst>
               </a:tr>
@@ -12348,16 +12207,10 @@
                         </a:spcAft>
                       </a:pPr>
                       <a:r>
-                        <a:rPr lang="es-ES" sz="1200" dirty="0" smtClean="0">
-                          <a:effectLst/>
-                        </a:rPr>
-                        <a:t>30 (</a:t>
-                      </a:r>
-                      <a:r>
                         <a:rPr lang="es-ES" sz="1200" dirty="0">
                           <a:effectLst/>
                         </a:rPr>
-                        <a:t>7)</a:t>
+                        <a:t>30 (7)</a:t>
                       </a:r>
                       <a:endParaRPr lang="en-US" sz="1200" dirty="0">
                         <a:effectLst/>
@@ -12553,7 +12406,7 @@
                 </a:tc>
                 <a:extLst>
                   <a:ext uri="{0D108BD9-81ED-4DB2-BD59-A6C34878D82A}">
-                    <a16:rowId xmlns:a16="http://schemas.microsoft.com/office/drawing/2014/main" xmlns="" val="3395859153"/>
+                    <a16:rowId xmlns:a16="http://schemas.microsoft.com/office/drawing/2014/main" val="3395859153"/>
                   </a:ext>
                 </a:extLst>
               </a:tr>
@@ -12628,16 +12481,10 @@
                         </a:spcAft>
                       </a:pPr>
                       <a:r>
-                        <a:rPr lang="es-ES" sz="1200" dirty="0" smtClean="0">
-                          <a:effectLst/>
-                        </a:rPr>
-                        <a:t>100 (</a:t>
-                      </a:r>
-                      <a:r>
                         <a:rPr lang="es-ES" sz="1200" dirty="0">
                           <a:effectLst/>
                         </a:rPr>
-                        <a:t>50)</a:t>
+                        <a:t>100 (50)</a:t>
                       </a:r>
                       <a:endParaRPr lang="en-US" sz="1200" dirty="0">
                         <a:effectLst/>
@@ -12811,7 +12658,7 @@
                 </a:tc>
                 <a:extLst>
                   <a:ext uri="{0D108BD9-81ED-4DB2-BD59-A6C34878D82A}">
-                    <a16:rowId xmlns:a16="http://schemas.microsoft.com/office/drawing/2014/main" xmlns="" val="3354800666"/>
+                    <a16:rowId xmlns:a16="http://schemas.microsoft.com/office/drawing/2014/main" val="3354800666"/>
                   </a:ext>
                 </a:extLst>
               </a:tr>
@@ -13063,7 +12910,7 @@
                 </a:tc>
                 <a:extLst>
                   <a:ext uri="{0D108BD9-81ED-4DB2-BD59-A6C34878D82A}">
-                    <a16:rowId xmlns:a16="http://schemas.microsoft.com/office/drawing/2014/main" xmlns="" val="709457735"/>
+                    <a16:rowId xmlns:a16="http://schemas.microsoft.com/office/drawing/2014/main" val="709457735"/>
                   </a:ext>
                 </a:extLst>
               </a:tr>
@@ -13327,7 +13174,7 @@
                 </a:tc>
                 <a:extLst>
                   <a:ext uri="{0D108BD9-81ED-4DB2-BD59-A6C34878D82A}">
-                    <a16:rowId xmlns:a16="http://schemas.microsoft.com/office/drawing/2014/main" xmlns="" val="3717453979"/>
+                    <a16:rowId xmlns:a16="http://schemas.microsoft.com/office/drawing/2014/main" val="3717453979"/>
                   </a:ext>
                 </a:extLst>
               </a:tr>
@@ -13579,7 +13426,7 @@
                 </a:tc>
                 <a:extLst>
                   <a:ext uri="{0D108BD9-81ED-4DB2-BD59-A6C34878D82A}">
-                    <a16:rowId xmlns:a16="http://schemas.microsoft.com/office/drawing/2014/main" xmlns="" val="465372475"/>
+                    <a16:rowId xmlns:a16="http://schemas.microsoft.com/office/drawing/2014/main" val="465372475"/>
                   </a:ext>
                 </a:extLst>
               </a:tr>
@@ -13819,7 +13666,7 @@
                 </a:tc>
                 <a:extLst>
                   <a:ext uri="{0D108BD9-81ED-4DB2-BD59-A6C34878D82A}">
-                    <a16:rowId xmlns:a16="http://schemas.microsoft.com/office/drawing/2014/main" xmlns="" val="3161319140"/>
+                    <a16:rowId xmlns:a16="http://schemas.microsoft.com/office/drawing/2014/main" val="3161319140"/>
                   </a:ext>
                 </a:extLst>
               </a:tr>
@@ -13832,7 +13679,7 @@
           <p:cNvPr id="16" name="Rectangle 7">
             <a:extLst>
               <a:ext uri="{FF2B5EF4-FFF2-40B4-BE49-F238E27FC236}">
-                <a16:creationId xmlns:a16="http://schemas.microsoft.com/office/drawing/2014/main" xmlns="" id="{E9B35400-8A3A-9540-9DBC-B6173C596293}"/>
+                <a16:creationId xmlns:a16="http://schemas.microsoft.com/office/drawing/2014/main" id="{E9B35400-8A3A-9540-9DBC-B6173C596293}"/>
               </a:ext>
             </a:extLst>
           </p:cNvPr>
@@ -13908,19 +13755,6 @@
               <a:buNone/>
               <a:tabLst/>
             </a:pPr>
-            <a:r>
-              <a:rPr kumimoji="0" lang="en-US" altLang="en-US" sz="1800" b="0" i="0" u="none" strike="noStrike" cap="none" normalizeH="0" baseline="0">
-                <a:ln>
-                  <a:noFill/>
-                </a:ln>
-                <a:solidFill>
-                  <a:schemeClr val="tx1"/>
-                </a:solidFill>
-                <a:effectLst/>
-                <a:latin typeface="Arial" panose="020B0604020202020204" pitchFamily="34" charset="0"/>
-              </a:rPr>
-              <a:t/>
-            </a:r>
             <a:br>
               <a:rPr kumimoji="0" lang="en-US" altLang="en-US" sz="1800" b="0" i="0" u="none" strike="noStrike" cap="none" normalizeH="0" baseline="0">
                 <a:ln>
